--- a/Documents/GitHubWorkflows.pptx
+++ b/Documents/GitHubWorkflows.pptx
@@ -6,6 +6,7 @@
   </p:sldMasterIdLst>
   <p:sldIdLst>
     <p:sldId id="256" r:id="rId3"/>
+    <p:sldId id="257" r:id="rId4"/>
   </p:sldIdLst>
   <p:sldSz cx="10080625" cy="7559675"/>
   <p:notesSz cx="7772400" cy="10058400"/>
@@ -74,7 +75,7 @@
           <a:bodyPr lIns="0" rIns="0" tIns="0" bIns="0" anchor="ctr"/>
           <a:p>
             <a:pPr algn="ctr"/>
-            <a:endParaRPr b="0" lang="en-US" sz="4400" spc="-1" strike="noStrike">
+            <a:endParaRPr b="0" lang="en-CA" sz="4400" spc="-1" strike="noStrike">
               <a:solidFill>
                 <a:srgbClr val="000000"/>
               </a:solidFill>
@@ -110,7 +111,7 @@
         <p:txBody>
           <a:bodyPr lIns="0" rIns="0" tIns="0" bIns="0"/>
           <a:p>
-            <a:endParaRPr b="0" lang="en-US" sz="3200" spc="-1" strike="noStrike">
+            <a:endParaRPr b="0" lang="en-CA" sz="3200" spc="-1" strike="noStrike">
               <a:solidFill>
                 <a:srgbClr val="000000"/>
               </a:solidFill>
@@ -146,7 +147,7 @@
         <p:txBody>
           <a:bodyPr lIns="0" rIns="0" tIns="0" bIns="0"/>
           <a:p>
-            <a:endParaRPr b="0" lang="en-US" sz="3200" spc="-1" strike="noStrike">
+            <a:endParaRPr b="0" lang="en-CA" sz="3200" spc="-1" strike="noStrike">
               <a:solidFill>
                 <a:srgbClr val="000000"/>
               </a:solidFill>
@@ -205,7 +206,7 @@
           <a:bodyPr lIns="0" rIns="0" tIns="0" bIns="0" anchor="ctr"/>
           <a:p>
             <a:pPr algn="ctr"/>
-            <a:endParaRPr b="0" lang="en-US" sz="4400" spc="-1" strike="noStrike">
+            <a:endParaRPr b="0" lang="en-CA" sz="4400" spc="-1" strike="noStrike">
               <a:solidFill>
                 <a:srgbClr val="000000"/>
               </a:solidFill>
@@ -241,7 +242,7 @@
         <p:txBody>
           <a:bodyPr lIns="0" rIns="0" tIns="0" bIns="0"/>
           <a:p>
-            <a:endParaRPr b="0" lang="en-US" sz="3200" spc="-1" strike="noStrike">
+            <a:endParaRPr b="0" lang="en-CA" sz="3200" spc="-1" strike="noStrike">
               <a:solidFill>
                 <a:srgbClr val="000000"/>
               </a:solidFill>
@@ -277,7 +278,7 @@
         <p:txBody>
           <a:bodyPr lIns="0" rIns="0" tIns="0" bIns="0"/>
           <a:p>
-            <a:endParaRPr b="0" lang="en-US" sz="3200" spc="-1" strike="noStrike">
+            <a:endParaRPr b="0" lang="en-CA" sz="3200" spc="-1" strike="noStrike">
               <a:solidFill>
                 <a:srgbClr val="000000"/>
               </a:solidFill>
@@ -313,7 +314,7 @@
         <p:txBody>
           <a:bodyPr lIns="0" rIns="0" tIns="0" bIns="0"/>
           <a:p>
-            <a:endParaRPr b="0" lang="en-US" sz="3200" spc="-1" strike="noStrike">
+            <a:endParaRPr b="0" lang="en-CA" sz="3200" spc="-1" strike="noStrike">
               <a:solidFill>
                 <a:srgbClr val="000000"/>
               </a:solidFill>
@@ -349,7 +350,7 @@
         <p:txBody>
           <a:bodyPr lIns="0" rIns="0" tIns="0" bIns="0"/>
           <a:p>
-            <a:endParaRPr b="0" lang="en-US" sz="3200" spc="-1" strike="noStrike">
+            <a:endParaRPr b="0" lang="en-CA" sz="3200" spc="-1" strike="noStrike">
               <a:solidFill>
                 <a:srgbClr val="000000"/>
               </a:solidFill>
@@ -408,7 +409,7 @@
           <a:bodyPr lIns="0" rIns="0" tIns="0" bIns="0" anchor="ctr"/>
           <a:p>
             <a:pPr algn="ctr"/>
-            <a:endParaRPr b="0" lang="en-US" sz="4400" spc="-1" strike="noStrike">
+            <a:endParaRPr b="0" lang="en-CA" sz="4400" spc="-1" strike="noStrike">
               <a:solidFill>
                 <a:srgbClr val="000000"/>
               </a:solidFill>
@@ -444,7 +445,7 @@
         <p:txBody>
           <a:bodyPr lIns="0" rIns="0" tIns="0" bIns="0"/>
           <a:p>
-            <a:endParaRPr b="0" lang="en-US" sz="3200" spc="-1" strike="noStrike">
+            <a:endParaRPr b="0" lang="en-CA" sz="3200" spc="-1" strike="noStrike">
               <a:solidFill>
                 <a:srgbClr val="000000"/>
               </a:solidFill>
@@ -480,7 +481,7 @@
         <p:txBody>
           <a:bodyPr lIns="0" rIns="0" tIns="0" bIns="0"/>
           <a:p>
-            <a:endParaRPr b="0" lang="en-US" sz="3200" spc="-1" strike="noStrike">
+            <a:endParaRPr b="0" lang="en-CA" sz="3200" spc="-1" strike="noStrike">
               <a:solidFill>
                 <a:srgbClr val="000000"/>
               </a:solidFill>
@@ -506,8 +507,8 @@
         </p:blipFill>
         <p:spPr>
           <a:xfrm>
-            <a:off x="2292480" y="1768680"/>
-            <a:ext cx="5494680" cy="4384080"/>
+            <a:off x="2292840" y="1768680"/>
+            <a:ext cx="5493960" cy="4384080"/>
           </a:xfrm>
           <a:prstGeom prst="rect">
             <a:avLst/>
@@ -529,8 +530,8 @@
         </p:blipFill>
         <p:spPr>
           <a:xfrm>
-            <a:off x="2292480" y="1768680"/>
-            <a:ext cx="5494680" cy="4384080"/>
+            <a:off x="2292840" y="1768680"/>
+            <a:ext cx="5493960" cy="4384080"/>
           </a:xfrm>
           <a:prstGeom prst="rect">
             <a:avLst/>
@@ -585,7 +586,7 @@
           <a:bodyPr lIns="0" rIns="0" tIns="0" bIns="0" anchor="ctr"/>
           <a:p>
             <a:pPr algn="ctr"/>
-            <a:endParaRPr b="0" lang="en-US" sz="4400" spc="-1" strike="noStrike">
+            <a:endParaRPr b="0" lang="en-CA" sz="4400" spc="-1" strike="noStrike">
               <a:solidFill>
                 <a:srgbClr val="000000"/>
               </a:solidFill>
@@ -622,7 +623,7 @@
           <a:bodyPr lIns="0" rIns="0" tIns="0" bIns="0" anchor="ctr"/>
           <a:p>
             <a:pPr algn="ctr"/>
-            <a:endParaRPr b="0" lang="en-US" sz="3200" spc="-1" strike="noStrike">
+            <a:endParaRPr b="0" lang="en-CA" sz="3200" spc="-1" strike="noStrike">
               <a:solidFill>
                 <a:srgbClr val="000000"/>
               </a:solidFill>
@@ -681,7 +682,7 @@
           <a:bodyPr lIns="0" rIns="0" tIns="0" bIns="0" anchor="ctr"/>
           <a:p>
             <a:pPr algn="ctr"/>
-            <a:endParaRPr b="0" lang="en-US" sz="4400" spc="-1" strike="noStrike">
+            <a:endParaRPr b="0" lang="en-CA" sz="4400" spc="-1" strike="noStrike">
               <a:solidFill>
                 <a:srgbClr val="000000"/>
               </a:solidFill>
@@ -717,7 +718,7 @@
         <p:txBody>
           <a:bodyPr lIns="0" rIns="0" tIns="0" bIns="0"/>
           <a:p>
-            <a:endParaRPr b="0" lang="en-US" sz="3200" spc="-1" strike="noStrike">
+            <a:endParaRPr b="0" lang="en-CA" sz="3200" spc="-1" strike="noStrike">
               <a:solidFill>
                 <a:srgbClr val="000000"/>
               </a:solidFill>
@@ -776,7 +777,7 @@
           <a:bodyPr lIns="0" rIns="0" tIns="0" bIns="0" anchor="ctr"/>
           <a:p>
             <a:pPr algn="ctr"/>
-            <a:endParaRPr b="0" lang="en-US" sz="4400" spc="-1" strike="noStrike">
+            <a:endParaRPr b="0" lang="en-CA" sz="4400" spc="-1" strike="noStrike">
               <a:solidFill>
                 <a:srgbClr val="000000"/>
               </a:solidFill>
@@ -812,7 +813,7 @@
         <p:txBody>
           <a:bodyPr lIns="0" rIns="0" tIns="0" bIns="0"/>
           <a:p>
-            <a:endParaRPr b="0" lang="en-US" sz="3200" spc="-1" strike="noStrike">
+            <a:endParaRPr b="0" lang="en-CA" sz="3200" spc="-1" strike="noStrike">
               <a:solidFill>
                 <a:srgbClr val="000000"/>
               </a:solidFill>
@@ -848,7 +849,7 @@
         <p:txBody>
           <a:bodyPr lIns="0" rIns="0" tIns="0" bIns="0"/>
           <a:p>
-            <a:endParaRPr b="0" lang="en-US" sz="3200" spc="-1" strike="noStrike">
+            <a:endParaRPr b="0" lang="en-CA" sz="3200" spc="-1" strike="noStrike">
               <a:solidFill>
                 <a:srgbClr val="000000"/>
               </a:solidFill>
@@ -907,7 +908,7 @@
           <a:bodyPr lIns="0" rIns="0" tIns="0" bIns="0" anchor="ctr"/>
           <a:p>
             <a:pPr algn="ctr"/>
-            <a:endParaRPr b="0" lang="en-US" sz="4400" spc="-1" strike="noStrike">
+            <a:endParaRPr b="0" lang="en-CA" sz="4400" spc="-1" strike="noStrike">
               <a:solidFill>
                 <a:srgbClr val="000000"/>
               </a:solidFill>
@@ -966,7 +967,7 @@
           <a:bodyPr lIns="0" rIns="0" tIns="0" bIns="0" anchor="ctr"/>
           <a:p>
             <a:pPr algn="ctr"/>
-            <a:endParaRPr b="0" lang="en-US" sz="3200" spc="-1" strike="noStrike">
+            <a:endParaRPr b="0" lang="en-CA" sz="3200" spc="-1" strike="noStrike">
               <a:solidFill>
                 <a:srgbClr val="000000"/>
               </a:solidFill>
@@ -1025,7 +1026,7 @@
           <a:bodyPr lIns="0" rIns="0" tIns="0" bIns="0" anchor="ctr"/>
           <a:p>
             <a:pPr algn="ctr"/>
-            <a:endParaRPr b="0" lang="en-US" sz="4400" spc="-1" strike="noStrike">
+            <a:endParaRPr b="0" lang="en-CA" sz="4400" spc="-1" strike="noStrike">
               <a:solidFill>
                 <a:srgbClr val="000000"/>
               </a:solidFill>
@@ -1061,7 +1062,7 @@
         <p:txBody>
           <a:bodyPr lIns="0" rIns="0" tIns="0" bIns="0"/>
           <a:p>
-            <a:endParaRPr b="0" lang="en-US" sz="3200" spc="-1" strike="noStrike">
+            <a:endParaRPr b="0" lang="en-CA" sz="3200" spc="-1" strike="noStrike">
               <a:solidFill>
                 <a:srgbClr val="000000"/>
               </a:solidFill>
@@ -1097,7 +1098,7 @@
         <p:txBody>
           <a:bodyPr lIns="0" rIns="0" tIns="0" bIns="0"/>
           <a:p>
-            <a:endParaRPr b="0" lang="en-US" sz="3200" spc="-1" strike="noStrike">
+            <a:endParaRPr b="0" lang="en-CA" sz="3200" spc="-1" strike="noStrike">
               <a:solidFill>
                 <a:srgbClr val="000000"/>
               </a:solidFill>
@@ -1133,7 +1134,7 @@
         <p:txBody>
           <a:bodyPr lIns="0" rIns="0" tIns="0" bIns="0"/>
           <a:p>
-            <a:endParaRPr b="0" lang="en-US" sz="3200" spc="-1" strike="noStrike">
+            <a:endParaRPr b="0" lang="en-CA" sz="3200" spc="-1" strike="noStrike">
               <a:solidFill>
                 <a:srgbClr val="000000"/>
               </a:solidFill>
@@ -1192,7 +1193,7 @@
           <a:bodyPr lIns="0" rIns="0" tIns="0" bIns="0" anchor="ctr"/>
           <a:p>
             <a:pPr algn="ctr"/>
-            <a:endParaRPr b="0" lang="en-US" sz="4400" spc="-1" strike="noStrike">
+            <a:endParaRPr b="0" lang="en-CA" sz="4400" spc="-1" strike="noStrike">
               <a:solidFill>
                 <a:srgbClr val="000000"/>
               </a:solidFill>
@@ -1228,7 +1229,7 @@
         <p:txBody>
           <a:bodyPr lIns="0" rIns="0" tIns="0" bIns="0"/>
           <a:p>
-            <a:endParaRPr b="0" lang="en-US" sz="3200" spc="-1" strike="noStrike">
+            <a:endParaRPr b="0" lang="en-CA" sz="3200" spc="-1" strike="noStrike">
               <a:solidFill>
                 <a:srgbClr val="000000"/>
               </a:solidFill>
@@ -1264,7 +1265,7 @@
         <p:txBody>
           <a:bodyPr lIns="0" rIns="0" tIns="0" bIns="0"/>
           <a:p>
-            <a:endParaRPr b="0" lang="en-US" sz="3200" spc="-1" strike="noStrike">
+            <a:endParaRPr b="0" lang="en-CA" sz="3200" spc="-1" strike="noStrike">
               <a:solidFill>
                 <a:srgbClr val="000000"/>
               </a:solidFill>
@@ -1300,7 +1301,7 @@
         <p:txBody>
           <a:bodyPr lIns="0" rIns="0" tIns="0" bIns="0"/>
           <a:p>
-            <a:endParaRPr b="0" lang="en-US" sz="3200" spc="-1" strike="noStrike">
+            <a:endParaRPr b="0" lang="en-CA" sz="3200" spc="-1" strike="noStrike">
               <a:solidFill>
                 <a:srgbClr val="000000"/>
               </a:solidFill>
@@ -1359,7 +1360,7 @@
           <a:bodyPr lIns="0" rIns="0" tIns="0" bIns="0" anchor="ctr"/>
           <a:p>
             <a:pPr algn="ctr"/>
-            <a:endParaRPr b="0" lang="en-US" sz="4400" spc="-1" strike="noStrike">
+            <a:endParaRPr b="0" lang="en-CA" sz="4400" spc="-1" strike="noStrike">
               <a:solidFill>
                 <a:srgbClr val="000000"/>
               </a:solidFill>
@@ -1395,7 +1396,7 @@
         <p:txBody>
           <a:bodyPr lIns="0" rIns="0" tIns="0" bIns="0"/>
           <a:p>
-            <a:endParaRPr b="0" lang="en-US" sz="3200" spc="-1" strike="noStrike">
+            <a:endParaRPr b="0" lang="en-CA" sz="3200" spc="-1" strike="noStrike">
               <a:solidFill>
                 <a:srgbClr val="000000"/>
               </a:solidFill>
@@ -1431,7 +1432,7 @@
         <p:txBody>
           <a:bodyPr lIns="0" rIns="0" tIns="0" bIns="0"/>
           <a:p>
-            <a:endParaRPr b="0" lang="en-US" sz="3200" spc="-1" strike="noStrike">
+            <a:endParaRPr b="0" lang="en-CA" sz="3200" spc="-1" strike="noStrike">
               <a:solidFill>
                 <a:srgbClr val="000000"/>
               </a:solidFill>
@@ -1467,7 +1468,7 @@
         <p:txBody>
           <a:bodyPr lIns="0" rIns="0" tIns="0" bIns="0"/>
           <a:p>
-            <a:endParaRPr b="0" lang="en-US" sz="3200" spc="-1" strike="noStrike">
+            <a:endParaRPr b="0" lang="en-CA" sz="3200" spc="-1" strike="noStrike">
               <a:solidFill>
                 <a:srgbClr val="000000"/>
               </a:solidFill>
@@ -1527,20 +1528,496 @@
           <a:p>
             <a:pPr algn="ctr"/>
             <a:r>
-              <a:rPr b="0" lang="en-US" sz="4400" spc="-1" strike="noStrike">
-                <a:solidFill>
-                  <a:srgbClr val="000000"/>
-                </a:solidFill>
-                <a:uFill>
-                  <a:solidFill>
-                    <a:srgbClr val="ffffff"/>
-                  </a:solidFill>
-                </a:uFill>
-                <a:latin typeface="Arial"/>
-              </a:rPr>
-              <a:t>Click to edit the title text format</a:t>
-            </a:r>
-            <a:endParaRPr b="0" lang="en-US" sz="4400" spc="-1" strike="noStrike">
+              <a:rPr b="0" lang="en-CA" sz="4400" spc="-1" strike="noStrike">
+                <a:solidFill>
+                  <a:srgbClr val="000000"/>
+                </a:solidFill>
+                <a:uFill>
+                  <a:solidFill>
+                    <a:srgbClr val="ffffff"/>
+                  </a:solidFill>
+                </a:uFill>
+                <a:latin typeface="Arial"/>
+              </a:rPr>
+              <a:t>C</a:t>
+            </a:r>
+            <a:r>
+              <a:rPr b="0" lang="en-CA" sz="4400" spc="-1" strike="noStrike">
+                <a:solidFill>
+                  <a:srgbClr val="000000"/>
+                </a:solidFill>
+                <a:uFill>
+                  <a:solidFill>
+                    <a:srgbClr val="ffffff"/>
+                  </a:solidFill>
+                </a:uFill>
+                <a:latin typeface="Arial"/>
+              </a:rPr>
+              <a:t>l</a:t>
+            </a:r>
+            <a:r>
+              <a:rPr b="0" lang="en-CA" sz="4400" spc="-1" strike="noStrike">
+                <a:solidFill>
+                  <a:srgbClr val="000000"/>
+                </a:solidFill>
+                <a:uFill>
+                  <a:solidFill>
+                    <a:srgbClr val="ffffff"/>
+                  </a:solidFill>
+                </a:uFill>
+                <a:latin typeface="Arial"/>
+              </a:rPr>
+              <a:t>i</a:t>
+            </a:r>
+            <a:r>
+              <a:rPr b="0" lang="en-CA" sz="4400" spc="-1" strike="noStrike">
+                <a:solidFill>
+                  <a:srgbClr val="000000"/>
+                </a:solidFill>
+                <a:uFill>
+                  <a:solidFill>
+                    <a:srgbClr val="ffffff"/>
+                  </a:solidFill>
+                </a:uFill>
+                <a:latin typeface="Arial"/>
+              </a:rPr>
+              <a:t>c</a:t>
+            </a:r>
+            <a:r>
+              <a:rPr b="0" lang="en-CA" sz="4400" spc="-1" strike="noStrike">
+                <a:solidFill>
+                  <a:srgbClr val="000000"/>
+                </a:solidFill>
+                <a:uFill>
+                  <a:solidFill>
+                    <a:srgbClr val="ffffff"/>
+                  </a:solidFill>
+                </a:uFill>
+                <a:latin typeface="Arial"/>
+              </a:rPr>
+              <a:t>k</a:t>
+            </a:r>
+            <a:r>
+              <a:rPr b="0" lang="en-CA" sz="4400" spc="-1" strike="noStrike">
+                <a:solidFill>
+                  <a:srgbClr val="000000"/>
+                </a:solidFill>
+                <a:uFill>
+                  <a:solidFill>
+                    <a:srgbClr val="ffffff"/>
+                  </a:solidFill>
+                </a:uFill>
+                <a:latin typeface="Arial"/>
+              </a:rPr>
+              <a:t> </a:t>
+            </a:r>
+            <a:r>
+              <a:rPr b="0" lang="en-CA" sz="4400" spc="-1" strike="noStrike">
+                <a:solidFill>
+                  <a:srgbClr val="000000"/>
+                </a:solidFill>
+                <a:uFill>
+                  <a:solidFill>
+                    <a:srgbClr val="ffffff"/>
+                  </a:solidFill>
+                </a:uFill>
+                <a:latin typeface="Arial"/>
+              </a:rPr>
+              <a:t>t</a:t>
+            </a:r>
+            <a:r>
+              <a:rPr b="0" lang="en-CA" sz="4400" spc="-1" strike="noStrike">
+                <a:solidFill>
+                  <a:srgbClr val="000000"/>
+                </a:solidFill>
+                <a:uFill>
+                  <a:solidFill>
+                    <a:srgbClr val="ffffff"/>
+                  </a:solidFill>
+                </a:uFill>
+                <a:latin typeface="Arial"/>
+              </a:rPr>
+              <a:t>o</a:t>
+            </a:r>
+            <a:r>
+              <a:rPr b="0" lang="en-CA" sz="4400" spc="-1" strike="noStrike">
+                <a:solidFill>
+                  <a:srgbClr val="000000"/>
+                </a:solidFill>
+                <a:uFill>
+                  <a:solidFill>
+                    <a:srgbClr val="ffffff"/>
+                  </a:solidFill>
+                </a:uFill>
+                <a:latin typeface="Arial"/>
+              </a:rPr>
+              <a:t> </a:t>
+            </a:r>
+            <a:r>
+              <a:rPr b="0" lang="en-CA" sz="4400" spc="-1" strike="noStrike">
+                <a:solidFill>
+                  <a:srgbClr val="000000"/>
+                </a:solidFill>
+                <a:uFill>
+                  <a:solidFill>
+                    <a:srgbClr val="ffffff"/>
+                  </a:solidFill>
+                </a:uFill>
+                <a:latin typeface="Arial"/>
+              </a:rPr>
+              <a:t>e</a:t>
+            </a:r>
+            <a:r>
+              <a:rPr b="0" lang="en-CA" sz="4400" spc="-1" strike="noStrike">
+                <a:solidFill>
+                  <a:srgbClr val="000000"/>
+                </a:solidFill>
+                <a:uFill>
+                  <a:solidFill>
+                    <a:srgbClr val="ffffff"/>
+                  </a:solidFill>
+                </a:uFill>
+                <a:latin typeface="Arial"/>
+              </a:rPr>
+              <a:t>d</a:t>
+            </a:r>
+            <a:r>
+              <a:rPr b="0" lang="en-CA" sz="4400" spc="-1" strike="noStrike">
+                <a:solidFill>
+                  <a:srgbClr val="000000"/>
+                </a:solidFill>
+                <a:uFill>
+                  <a:solidFill>
+                    <a:srgbClr val="ffffff"/>
+                  </a:solidFill>
+                </a:uFill>
+                <a:latin typeface="Arial"/>
+              </a:rPr>
+              <a:t>i</a:t>
+            </a:r>
+            <a:r>
+              <a:rPr b="0" lang="en-CA" sz="4400" spc="-1" strike="noStrike">
+                <a:solidFill>
+                  <a:srgbClr val="000000"/>
+                </a:solidFill>
+                <a:uFill>
+                  <a:solidFill>
+                    <a:srgbClr val="ffffff"/>
+                  </a:solidFill>
+                </a:uFill>
+                <a:latin typeface="Arial"/>
+              </a:rPr>
+              <a:t>t</a:t>
+            </a:r>
+            <a:r>
+              <a:rPr b="0" lang="en-CA" sz="4400" spc="-1" strike="noStrike">
+                <a:solidFill>
+                  <a:srgbClr val="000000"/>
+                </a:solidFill>
+                <a:uFill>
+                  <a:solidFill>
+                    <a:srgbClr val="ffffff"/>
+                  </a:solidFill>
+                </a:uFill>
+                <a:latin typeface="Arial"/>
+              </a:rPr>
+              <a:t> </a:t>
+            </a:r>
+            <a:r>
+              <a:rPr b="0" lang="en-CA" sz="4400" spc="-1" strike="noStrike">
+                <a:solidFill>
+                  <a:srgbClr val="000000"/>
+                </a:solidFill>
+                <a:uFill>
+                  <a:solidFill>
+                    <a:srgbClr val="ffffff"/>
+                  </a:solidFill>
+                </a:uFill>
+                <a:latin typeface="Arial"/>
+              </a:rPr>
+              <a:t>t</a:t>
+            </a:r>
+            <a:r>
+              <a:rPr b="0" lang="en-CA" sz="4400" spc="-1" strike="noStrike">
+                <a:solidFill>
+                  <a:srgbClr val="000000"/>
+                </a:solidFill>
+                <a:uFill>
+                  <a:solidFill>
+                    <a:srgbClr val="ffffff"/>
+                  </a:solidFill>
+                </a:uFill>
+                <a:latin typeface="Arial"/>
+              </a:rPr>
+              <a:t>h</a:t>
+            </a:r>
+            <a:r>
+              <a:rPr b="0" lang="en-CA" sz="4400" spc="-1" strike="noStrike">
+                <a:solidFill>
+                  <a:srgbClr val="000000"/>
+                </a:solidFill>
+                <a:uFill>
+                  <a:solidFill>
+                    <a:srgbClr val="ffffff"/>
+                  </a:solidFill>
+                </a:uFill>
+                <a:latin typeface="Arial"/>
+              </a:rPr>
+              <a:t>e</a:t>
+            </a:r>
+            <a:r>
+              <a:rPr b="0" lang="en-CA" sz="4400" spc="-1" strike="noStrike">
+                <a:solidFill>
+                  <a:srgbClr val="000000"/>
+                </a:solidFill>
+                <a:uFill>
+                  <a:solidFill>
+                    <a:srgbClr val="ffffff"/>
+                  </a:solidFill>
+                </a:uFill>
+                <a:latin typeface="Arial"/>
+              </a:rPr>
+              <a:t> </a:t>
+            </a:r>
+            <a:r>
+              <a:rPr b="0" lang="en-CA" sz="4400" spc="-1" strike="noStrike">
+                <a:solidFill>
+                  <a:srgbClr val="000000"/>
+                </a:solidFill>
+                <a:uFill>
+                  <a:solidFill>
+                    <a:srgbClr val="ffffff"/>
+                  </a:solidFill>
+                </a:uFill>
+                <a:latin typeface="Arial"/>
+              </a:rPr>
+              <a:t>t</a:t>
+            </a:r>
+            <a:r>
+              <a:rPr b="0" lang="en-CA" sz="4400" spc="-1" strike="noStrike">
+                <a:solidFill>
+                  <a:srgbClr val="000000"/>
+                </a:solidFill>
+                <a:uFill>
+                  <a:solidFill>
+                    <a:srgbClr val="ffffff"/>
+                  </a:solidFill>
+                </a:uFill>
+                <a:latin typeface="Arial"/>
+              </a:rPr>
+              <a:t>i</a:t>
+            </a:r>
+            <a:r>
+              <a:rPr b="0" lang="en-CA" sz="4400" spc="-1" strike="noStrike">
+                <a:solidFill>
+                  <a:srgbClr val="000000"/>
+                </a:solidFill>
+                <a:uFill>
+                  <a:solidFill>
+                    <a:srgbClr val="ffffff"/>
+                  </a:solidFill>
+                </a:uFill>
+                <a:latin typeface="Arial"/>
+              </a:rPr>
+              <a:t>t</a:t>
+            </a:r>
+            <a:r>
+              <a:rPr b="0" lang="en-CA" sz="4400" spc="-1" strike="noStrike">
+                <a:solidFill>
+                  <a:srgbClr val="000000"/>
+                </a:solidFill>
+                <a:uFill>
+                  <a:solidFill>
+                    <a:srgbClr val="ffffff"/>
+                  </a:solidFill>
+                </a:uFill>
+                <a:latin typeface="Arial"/>
+              </a:rPr>
+              <a:t>l</a:t>
+            </a:r>
+            <a:r>
+              <a:rPr b="0" lang="en-CA" sz="4400" spc="-1" strike="noStrike">
+                <a:solidFill>
+                  <a:srgbClr val="000000"/>
+                </a:solidFill>
+                <a:uFill>
+                  <a:solidFill>
+                    <a:srgbClr val="ffffff"/>
+                  </a:solidFill>
+                </a:uFill>
+                <a:latin typeface="Arial"/>
+              </a:rPr>
+              <a:t>e</a:t>
+            </a:r>
+            <a:r>
+              <a:rPr b="0" lang="en-CA" sz="4400" spc="-1" strike="noStrike">
+                <a:solidFill>
+                  <a:srgbClr val="000000"/>
+                </a:solidFill>
+                <a:uFill>
+                  <a:solidFill>
+                    <a:srgbClr val="ffffff"/>
+                  </a:solidFill>
+                </a:uFill>
+                <a:latin typeface="Arial"/>
+              </a:rPr>
+              <a:t> </a:t>
+            </a:r>
+            <a:r>
+              <a:rPr b="0" lang="en-CA" sz="4400" spc="-1" strike="noStrike">
+                <a:solidFill>
+                  <a:srgbClr val="000000"/>
+                </a:solidFill>
+                <a:uFill>
+                  <a:solidFill>
+                    <a:srgbClr val="ffffff"/>
+                  </a:solidFill>
+                </a:uFill>
+                <a:latin typeface="Arial"/>
+              </a:rPr>
+              <a:t>t</a:t>
+            </a:r>
+            <a:r>
+              <a:rPr b="0" lang="en-CA" sz="4400" spc="-1" strike="noStrike">
+                <a:solidFill>
+                  <a:srgbClr val="000000"/>
+                </a:solidFill>
+                <a:uFill>
+                  <a:solidFill>
+                    <a:srgbClr val="ffffff"/>
+                  </a:solidFill>
+                </a:uFill>
+                <a:latin typeface="Arial"/>
+              </a:rPr>
+              <a:t>e</a:t>
+            </a:r>
+            <a:r>
+              <a:rPr b="0" lang="en-CA" sz="4400" spc="-1" strike="noStrike">
+                <a:solidFill>
+                  <a:srgbClr val="000000"/>
+                </a:solidFill>
+                <a:uFill>
+                  <a:solidFill>
+                    <a:srgbClr val="ffffff"/>
+                  </a:solidFill>
+                </a:uFill>
+                <a:latin typeface="Arial"/>
+              </a:rPr>
+              <a:t>x</a:t>
+            </a:r>
+            <a:r>
+              <a:rPr b="0" lang="en-CA" sz="4400" spc="-1" strike="noStrike">
+                <a:solidFill>
+                  <a:srgbClr val="000000"/>
+                </a:solidFill>
+                <a:uFill>
+                  <a:solidFill>
+                    <a:srgbClr val="ffffff"/>
+                  </a:solidFill>
+                </a:uFill>
+                <a:latin typeface="Arial"/>
+              </a:rPr>
+              <a:t>t</a:t>
+            </a:r>
+            <a:r>
+              <a:rPr b="0" lang="en-CA" sz="4400" spc="-1" strike="noStrike">
+                <a:solidFill>
+                  <a:srgbClr val="000000"/>
+                </a:solidFill>
+                <a:uFill>
+                  <a:solidFill>
+                    <a:srgbClr val="ffffff"/>
+                  </a:solidFill>
+                </a:uFill>
+                <a:latin typeface="Arial"/>
+              </a:rPr>
+              <a:t> </a:t>
+            </a:r>
+            <a:r>
+              <a:rPr b="0" lang="en-CA" sz="4400" spc="-1" strike="noStrike">
+                <a:solidFill>
+                  <a:srgbClr val="000000"/>
+                </a:solidFill>
+                <a:uFill>
+                  <a:solidFill>
+                    <a:srgbClr val="ffffff"/>
+                  </a:solidFill>
+                </a:uFill>
+                <a:latin typeface="Arial"/>
+              </a:rPr>
+              <a:t>f</a:t>
+            </a:r>
+            <a:r>
+              <a:rPr b="0" lang="en-CA" sz="4400" spc="-1" strike="noStrike">
+                <a:solidFill>
+                  <a:srgbClr val="000000"/>
+                </a:solidFill>
+                <a:uFill>
+                  <a:solidFill>
+                    <a:srgbClr val="ffffff"/>
+                  </a:solidFill>
+                </a:uFill>
+                <a:latin typeface="Arial"/>
+              </a:rPr>
+              <a:t>o</a:t>
+            </a:r>
+            <a:r>
+              <a:rPr b="0" lang="en-CA" sz="4400" spc="-1" strike="noStrike">
+                <a:solidFill>
+                  <a:srgbClr val="000000"/>
+                </a:solidFill>
+                <a:uFill>
+                  <a:solidFill>
+                    <a:srgbClr val="ffffff"/>
+                  </a:solidFill>
+                </a:uFill>
+                <a:latin typeface="Arial"/>
+              </a:rPr>
+              <a:t>r</a:t>
+            </a:r>
+            <a:r>
+              <a:rPr b="0" lang="en-CA" sz="4400" spc="-1" strike="noStrike">
+                <a:solidFill>
+                  <a:srgbClr val="000000"/>
+                </a:solidFill>
+                <a:uFill>
+                  <a:solidFill>
+                    <a:srgbClr val="ffffff"/>
+                  </a:solidFill>
+                </a:uFill>
+                <a:latin typeface="Arial"/>
+              </a:rPr>
+              <a:t>m</a:t>
+            </a:r>
+            <a:r>
+              <a:rPr b="0" lang="en-CA" sz="4400" spc="-1" strike="noStrike">
+                <a:solidFill>
+                  <a:srgbClr val="000000"/>
+                </a:solidFill>
+                <a:uFill>
+                  <a:solidFill>
+                    <a:srgbClr val="ffffff"/>
+                  </a:solidFill>
+                </a:uFill>
+                <a:latin typeface="Arial"/>
+              </a:rPr>
+              <a:t>a</a:t>
+            </a:r>
+            <a:r>
+              <a:rPr b="0" lang="en-CA" sz="4400" spc="-1" strike="noStrike">
+                <a:solidFill>
+                  <a:srgbClr val="000000"/>
+                </a:solidFill>
+                <a:uFill>
+                  <a:solidFill>
+                    <a:srgbClr val="ffffff"/>
+                  </a:solidFill>
+                </a:uFill>
+                <a:latin typeface="Arial"/>
+              </a:rPr>
+              <a:t>t</a:t>
+            </a:r>
+            <a:endParaRPr b="0" lang="en-CA" sz="4400" spc="-1" strike="noStrike">
               <a:solidFill>
                 <a:srgbClr val="000000"/>
               </a:solidFill>
@@ -1585,7 +2062,7 @@
               <a:buChar char=""/>
             </a:pPr>
             <a:r>
-              <a:rPr b="0" lang="en-US" sz="3200" spc="-1" strike="noStrike">
+              <a:rPr b="0" lang="en-CA" sz="3200" spc="-1" strike="noStrike">
                 <a:solidFill>
                   <a:srgbClr val="000000"/>
                 </a:solidFill>
@@ -1598,7 +2075,7 @@
               </a:rPr>
               <a:t>Click to edit the outline text format</a:t>
             </a:r>
-            <a:endParaRPr b="0" lang="en-US" sz="3200" spc="-1" strike="noStrike">
+            <a:endParaRPr b="0" lang="en-CA" sz="3200" spc="-1" strike="noStrike">
               <a:solidFill>
                 <a:srgbClr val="000000"/>
               </a:solidFill>
@@ -1620,7 +2097,7 @@
               <a:buChar char=""/>
             </a:pPr>
             <a:r>
-              <a:rPr b="0" lang="en-US" sz="2800" spc="-1" strike="noStrike">
+              <a:rPr b="0" lang="en-CA" sz="2800" spc="-1" strike="noStrike">
                 <a:solidFill>
                   <a:srgbClr val="000000"/>
                 </a:solidFill>
@@ -1633,7 +2110,7 @@
               </a:rPr>
               <a:t>Second Outline Level</a:t>
             </a:r>
-            <a:endParaRPr b="0" lang="en-US" sz="2800" spc="-1" strike="noStrike">
+            <a:endParaRPr b="0" lang="en-CA" sz="2800" spc="-1" strike="noStrike">
               <a:solidFill>
                 <a:srgbClr val="000000"/>
               </a:solidFill>
@@ -1655,7 +2132,7 @@
               <a:buChar char=""/>
             </a:pPr>
             <a:r>
-              <a:rPr b="0" lang="en-US" sz="2400" spc="-1" strike="noStrike">
+              <a:rPr b="0" lang="en-CA" sz="2400" spc="-1" strike="noStrike">
                 <a:solidFill>
                   <a:srgbClr val="000000"/>
                 </a:solidFill>
@@ -1668,7 +2145,7 @@
               </a:rPr>
               <a:t>Third Outline Level</a:t>
             </a:r>
-            <a:endParaRPr b="0" lang="en-US" sz="2400" spc="-1" strike="noStrike">
+            <a:endParaRPr b="0" lang="en-CA" sz="2400" spc="-1" strike="noStrike">
               <a:solidFill>
                 <a:srgbClr val="000000"/>
               </a:solidFill>
@@ -1690,7 +2167,7 @@
               <a:buChar char=""/>
             </a:pPr>
             <a:r>
-              <a:rPr b="0" lang="en-US" sz="2000" spc="-1" strike="noStrike">
+              <a:rPr b="0" lang="en-CA" sz="2000" spc="-1" strike="noStrike">
                 <a:solidFill>
                   <a:srgbClr val="000000"/>
                 </a:solidFill>
@@ -1703,7 +2180,7 @@
               </a:rPr>
               <a:t>Fourth Outline Level</a:t>
             </a:r>
-            <a:endParaRPr b="0" lang="en-US" sz="2000" spc="-1" strike="noStrike">
+            <a:endParaRPr b="0" lang="en-CA" sz="2000" spc="-1" strike="noStrike">
               <a:solidFill>
                 <a:srgbClr val="000000"/>
               </a:solidFill>
@@ -1725,7 +2202,7 @@
               <a:buChar char=""/>
             </a:pPr>
             <a:r>
-              <a:rPr b="0" lang="en-US" sz="2000" spc="-1" strike="noStrike">
+              <a:rPr b="0" lang="en-CA" sz="2000" spc="-1" strike="noStrike">
                 <a:solidFill>
                   <a:srgbClr val="000000"/>
                 </a:solidFill>
@@ -1738,7 +2215,7 @@
               </a:rPr>
               <a:t>Fifth Outline Level</a:t>
             </a:r>
-            <a:endParaRPr b="0" lang="en-US" sz="2000" spc="-1" strike="noStrike">
+            <a:endParaRPr b="0" lang="en-CA" sz="2000" spc="-1" strike="noStrike">
               <a:solidFill>
                 <a:srgbClr val="000000"/>
               </a:solidFill>
@@ -1760,7 +2237,7 @@
               <a:buChar char=""/>
             </a:pPr>
             <a:r>
-              <a:rPr b="0" lang="en-US" sz="2000" spc="-1" strike="noStrike">
+              <a:rPr b="0" lang="en-CA" sz="2000" spc="-1" strike="noStrike">
                 <a:solidFill>
                   <a:srgbClr val="000000"/>
                 </a:solidFill>
@@ -1773,7 +2250,7 @@
               </a:rPr>
               <a:t>Sixth Outline Level</a:t>
             </a:r>
-            <a:endParaRPr b="0" lang="en-US" sz="2000" spc="-1" strike="noStrike">
+            <a:endParaRPr b="0" lang="en-CA" sz="2000" spc="-1" strike="noStrike">
               <a:solidFill>
                 <a:srgbClr val="000000"/>
               </a:solidFill>
@@ -1795,7 +2272,7 @@
               <a:buChar char=""/>
             </a:pPr>
             <a:r>
-              <a:rPr b="0" lang="en-US" sz="2000" spc="-1" strike="noStrike">
+              <a:rPr b="0" lang="en-CA" sz="2000" spc="-1" strike="noStrike">
                 <a:solidFill>
                   <a:srgbClr val="000000"/>
                 </a:solidFill>
@@ -1808,7 +2285,7 @@
               </a:rPr>
               <a:t>Seventh Outline Level</a:t>
             </a:r>
-            <a:endParaRPr b="0" lang="en-US" sz="2000" spc="-1" strike="noStrike">
+            <a:endParaRPr b="0" lang="en-CA" sz="2000" spc="-1" strike="noStrike">
               <a:solidFill>
                 <a:srgbClr val="000000"/>
               </a:solidFill>
@@ -1868,7 +2345,7 @@
         <p:spPr>
           <a:xfrm>
             <a:off x="548640" y="5569920"/>
-            <a:ext cx="9142560" cy="1442160"/>
+            <a:ext cx="9142200" cy="1441800"/>
           </a:xfrm>
           <a:prstGeom prst="rect">
             <a:avLst/>
@@ -1897,7 +2374,7 @@
               </a:lnSpc>
             </a:pPr>
             <a:r>
-              <a:rPr b="0" lang="en-US" sz="1800" spc="-1" strike="noStrike">
+              <a:rPr b="0" lang="en-CA" sz="1800" spc="-1" strike="noStrike">
                 <a:solidFill>
                   <a:srgbClr val="3333ff"/>
                 </a:solidFill>
@@ -1911,7 +2388,7 @@
               </a:rPr>
               <a:t>Ticket Completion</a:t>
             </a:r>
-            <a:endParaRPr b="0" lang="en-US" sz="1800" spc="-1" strike="noStrike">
+            <a:endParaRPr b="0" lang="en-CA" sz="1800" spc="-1" strike="noStrike">
               <a:solidFill>
                 <a:srgbClr val="000000"/>
               </a:solidFill>
@@ -1934,7 +2411,7 @@
         <p:spPr>
           <a:xfrm>
             <a:off x="548640" y="3553920"/>
-            <a:ext cx="9142560" cy="1442160"/>
+            <a:ext cx="9142200" cy="1558080"/>
           </a:xfrm>
           <a:prstGeom prst="rect">
             <a:avLst/>
@@ -1963,7 +2440,7 @@
               </a:lnSpc>
             </a:pPr>
             <a:r>
-              <a:rPr b="0" lang="en-US" sz="1800" spc="-1" strike="noStrike">
+              <a:rPr b="0" lang="en-CA" sz="1800" spc="-1" strike="noStrike">
                 <a:solidFill>
                   <a:srgbClr val="3333ff"/>
                 </a:solidFill>
@@ -1977,7 +2454,7 @@
               </a:rPr>
               <a:t>Merge into Upstream Branch</a:t>
             </a:r>
-            <a:endParaRPr b="0" lang="en-US" sz="1800" spc="-1" strike="noStrike">
+            <a:endParaRPr b="0" lang="en-CA" sz="1800" spc="-1" strike="noStrike">
               <a:solidFill>
                 <a:srgbClr val="000000"/>
               </a:solidFill>
@@ -2000,7 +2477,7 @@
         <p:spPr>
           <a:xfrm>
             <a:off x="548640" y="1573920"/>
-            <a:ext cx="9142560" cy="1533960"/>
+            <a:ext cx="9142200" cy="1533600"/>
           </a:xfrm>
           <a:prstGeom prst="rect">
             <a:avLst/>
@@ -2029,7 +2506,7 @@
               </a:lnSpc>
             </a:pPr>
             <a:r>
-              <a:rPr b="0" lang="en-US" sz="1800" spc="-1" strike="noStrike">
+              <a:rPr b="0" lang="en-CA" sz="1800" spc="-1" strike="noStrike">
                 <a:solidFill>
                   <a:srgbClr val="3333ff"/>
                 </a:solidFill>
@@ -2043,7 +2520,7 @@
               </a:rPr>
               <a:t>Development in Developer Fork</a:t>
             </a:r>
-            <a:endParaRPr b="0" lang="en-US" sz="1800" spc="-1" strike="noStrike">
+            <a:endParaRPr b="0" lang="en-CA" sz="1800" spc="-1" strike="noStrike">
               <a:solidFill>
                 <a:srgbClr val="000000"/>
               </a:solidFill>
@@ -2065,8 +2542,8 @@
         </p:nvSpPr>
         <p:spPr>
           <a:xfrm>
-            <a:off x="1139040" y="2176920"/>
-            <a:ext cx="2284560" cy="425160"/>
+            <a:off x="864000" y="2176920"/>
+            <a:ext cx="2559240" cy="424800"/>
           </a:xfrm>
           <a:prstGeom prst="rect">
             <a:avLst/>
@@ -2076,7 +2553,7 @@
           </a:solidFill>
           <a:ln>
             <a:solidFill>
-              <a:srgbClr val="3465a4"/>
+              <a:srgbClr val="ffff66"/>
             </a:solidFill>
           </a:ln>
         </p:spPr>
@@ -2095,7 +2572,7 @@
               </a:lnSpc>
             </a:pPr>
             <a:r>
-              <a:rPr b="0" lang="en-US" sz="1800" spc="-1" strike="noStrike">
+              <a:rPr b="0" lang="en-CA" sz="1800" spc="-1" strike="noStrike">
                 <a:solidFill>
                   <a:srgbClr val="000000"/>
                 </a:solidFill>
@@ -2107,9 +2584,9 @@
                 <a:latin typeface="Arial"/>
                 <a:ea typeface="DejaVu Sans"/>
               </a:rPr>
-              <a:t>ghNJB ticket_number</a:t>
-            </a:r>
-            <a:endParaRPr b="0" lang="en-US" sz="1800" spc="-1" strike="noStrike">
+              <a:t>ghNJBD ticket_number</a:t>
+            </a:r>
+            <a:endParaRPr b="0" lang="en-CA" sz="1800" spc="-1" strike="noStrike">
               <a:solidFill>
                 <a:srgbClr val="000000"/>
               </a:solidFill>
@@ -2132,7 +2609,7 @@
         <p:spPr>
           <a:xfrm>
             <a:off x="5104440" y="2176920"/>
-            <a:ext cx="1187280" cy="425160"/>
+            <a:ext cx="1186920" cy="424800"/>
           </a:xfrm>
           <a:prstGeom prst="rect">
             <a:avLst/>
@@ -2142,7 +2619,7 @@
           </a:solidFill>
           <a:ln>
             <a:solidFill>
-              <a:srgbClr val="3465a4"/>
+              <a:srgbClr val="ffff66"/>
             </a:solidFill>
           </a:ln>
         </p:spPr>
@@ -2161,7 +2638,7 @@
               </a:lnSpc>
             </a:pPr>
             <a:r>
-              <a:rPr b="0" lang="en-US" sz="1800" spc="-1" strike="noStrike">
+              <a:rPr b="0" lang="en-CA" sz="1800" spc="-1" strike="noStrike">
                 <a:solidFill>
                   <a:srgbClr val="000000"/>
                 </a:solidFill>
@@ -2175,7 +2652,7 @@
               </a:rPr>
               <a:t>ghUBUD</a:t>
             </a:r>
-            <a:endParaRPr b="0" lang="en-US" sz="1800" spc="-1" strike="noStrike">
+            <a:endParaRPr b="0" lang="en-CA" sz="1800" spc="-1" strike="noStrike">
               <a:solidFill>
                 <a:srgbClr val="000000"/>
               </a:solidFill>
@@ -2198,7 +2675,7 @@
         <p:spPr>
           <a:xfrm>
             <a:off x="1188720" y="2571840"/>
-            <a:ext cx="2194560" cy="261360"/>
+            <a:ext cx="2194200" cy="261000"/>
           </a:xfrm>
           <a:prstGeom prst="rect">
             <a:avLst/>
@@ -2223,7 +2700,7 @@
               </a:lnSpc>
             </a:pPr>
             <a:r>
-              <a:rPr b="0" lang="en-US" sz="1200" spc="-1" strike="noStrike">
+              <a:rPr b="0" lang="en-CA" sz="1200" spc="-1" strike="noStrike">
                 <a:solidFill>
                   <a:srgbClr val="000000"/>
                 </a:solidFill>
@@ -2235,9 +2712,9 @@
                 <a:latin typeface="Arial"/>
                 <a:ea typeface="DejaVu Sans"/>
               </a:rPr>
-              <a:t>(New JIRA Branch)</a:t>
-            </a:r>
-            <a:endParaRPr b="0" lang="en-US" sz="1800" spc="-1" strike="noStrike">
+              <a:t>(New JIRA Branch from upstream/development)</a:t>
+            </a:r>
+            <a:endParaRPr b="0" lang="en-CA" sz="1800" spc="-1" strike="noStrike">
               <a:solidFill>
                 <a:srgbClr val="000000"/>
               </a:solidFill>
@@ -2260,7 +2737,7 @@
         <p:spPr>
           <a:xfrm>
             <a:off x="4470120" y="2571840"/>
-            <a:ext cx="2455920" cy="261360"/>
+            <a:ext cx="2455560" cy="261000"/>
           </a:xfrm>
           <a:prstGeom prst="rect">
             <a:avLst/>
@@ -2285,7 +2762,7 @@
               </a:lnSpc>
             </a:pPr>
             <a:r>
-              <a:rPr b="0" lang="en-US" sz="1200" spc="-1" strike="noStrike">
+              <a:rPr b="0" lang="en-CA" sz="1200" spc="-1" strike="noStrike">
                 <a:solidFill>
                   <a:srgbClr val="000000"/>
                 </a:solidFill>
@@ -2297,9 +2774,9 @@
                 <a:latin typeface="Arial"/>
                 <a:ea typeface="DejaVu Sans"/>
               </a:rPr>
-              <a:t>(Update (current) Branch with Upstream Development)</a:t>
-            </a:r>
-            <a:endParaRPr b="0" lang="en-US" sz="1800" spc="-1" strike="noStrike">
+              <a:t>(Update (current) Branch with upstream/development)</a:t>
+            </a:r>
+            <a:endParaRPr b="0" lang="en-CA" sz="1800" spc="-1" strike="noStrike">
               <a:solidFill>
                 <a:srgbClr val="000000"/>
               </a:solidFill>
@@ -2322,17 +2799,17 @@
         <p:spPr>
           <a:xfrm>
             <a:off x="4535640" y="6190200"/>
-            <a:ext cx="2293560" cy="425160"/>
+            <a:ext cx="2520360" cy="424800"/>
           </a:xfrm>
           <a:prstGeom prst="rect">
             <a:avLst/>
           </a:prstGeom>
           <a:solidFill>
-            <a:srgbClr val="fefebf"/>
+            <a:srgbClr val="ffff99"/>
           </a:solidFill>
           <a:ln>
             <a:solidFill>
-              <a:srgbClr val="3465a4"/>
+              <a:srgbClr val="ffff66"/>
             </a:solidFill>
           </a:ln>
         </p:spPr>
@@ -2351,7 +2828,7 @@
               </a:lnSpc>
             </a:pPr>
             <a:r>
-              <a:rPr b="0" lang="en-US" sz="1800" spc="-1" strike="noStrike">
+              <a:rPr b="0" lang="en-CA" sz="1800" spc="-1" strike="noStrike">
                 <a:solidFill>
                   <a:srgbClr val="000000"/>
                 </a:solidFill>
@@ -2365,7 +2842,7 @@
               </a:rPr>
               <a:t>ghDJB ticket_number</a:t>
             </a:r>
-            <a:endParaRPr b="0" lang="en-US" sz="1800" spc="-1" strike="noStrike">
+            <a:endParaRPr b="0" lang="en-CA" sz="1800" spc="-1" strike="noStrike">
               <a:solidFill>
                 <a:srgbClr val="000000"/>
               </a:solidFill>
@@ -2388,7 +2865,7 @@
         <p:spPr>
           <a:xfrm>
             <a:off x="4856760" y="6628320"/>
-            <a:ext cx="1706760" cy="261360"/>
+            <a:ext cx="1706400" cy="261000"/>
           </a:xfrm>
           <a:prstGeom prst="rect">
             <a:avLst/>
@@ -2413,7 +2890,7 @@
               </a:lnSpc>
             </a:pPr>
             <a:r>
-              <a:rPr b="0" lang="en-US" sz="1200" spc="-1" strike="noStrike">
+              <a:rPr b="0" lang="en-CA" sz="1200" spc="-1" strike="noStrike">
                 <a:solidFill>
                   <a:srgbClr val="000000"/>
                 </a:solidFill>
@@ -2427,7 +2904,7 @@
               </a:rPr>
               <a:t>(Destroy JIRA Branch)</a:t>
             </a:r>
-            <a:endParaRPr b="0" lang="en-US" sz="1800" spc="-1" strike="noStrike">
+            <a:endParaRPr b="0" lang="en-CA" sz="1800" spc="-1" strike="noStrike">
               <a:solidFill>
                 <a:srgbClr val="000000"/>
               </a:solidFill>
@@ -2450,7 +2927,7 @@
         <p:spPr>
           <a:xfrm>
             <a:off x="1681920" y="4156560"/>
-            <a:ext cx="1187280" cy="425160"/>
+            <a:ext cx="1186920" cy="424800"/>
           </a:xfrm>
           <a:prstGeom prst="rect">
             <a:avLst/>
@@ -2460,7 +2937,7 @@
           </a:solidFill>
           <a:ln>
             <a:solidFill>
-              <a:srgbClr val="3465a4"/>
+              <a:srgbClr val="ffff66"/>
             </a:solidFill>
           </a:ln>
         </p:spPr>
@@ -2479,7 +2956,7 @@
               </a:lnSpc>
             </a:pPr>
             <a:r>
-              <a:rPr b="0" lang="en-US" sz="1800" spc="-1" strike="noStrike">
+              <a:rPr b="0" lang="en-CA" sz="1800" spc="-1" strike="noStrike">
                 <a:solidFill>
                   <a:srgbClr val="000000"/>
                 </a:solidFill>
@@ -2493,7 +2970,7 @@
               </a:rPr>
               <a:t>ghNPRD</a:t>
             </a:r>
-            <a:endParaRPr b="0" lang="en-US" sz="1800" spc="-1" strike="noStrike">
+            <a:endParaRPr b="0" lang="en-CA" sz="1800" spc="-1" strike="noStrike">
               <a:solidFill>
                 <a:srgbClr val="000000"/>
               </a:solidFill>
@@ -2516,7 +2993,7 @@
         <p:spPr>
           <a:xfrm>
             <a:off x="1097280" y="4581000"/>
-            <a:ext cx="2286000" cy="291960"/>
+            <a:ext cx="2285640" cy="291600"/>
           </a:xfrm>
           <a:prstGeom prst="rect">
             <a:avLst/>
@@ -2541,7 +3018,7 @@
               </a:lnSpc>
             </a:pPr>
             <a:r>
-              <a:rPr b="0" lang="en-US" sz="1200" spc="-1" strike="noStrike">
+              <a:rPr b="0" lang="en-CA" sz="1200" spc="-1" strike="noStrike">
                 <a:solidFill>
                   <a:srgbClr val="000000"/>
                 </a:solidFill>
@@ -2555,7 +3032,7 @@
               </a:rPr>
               <a:t>(New Pull Request for upstream/development)</a:t>
             </a:r>
-            <a:endParaRPr b="0" lang="en-US" sz="1800" spc="-1" strike="noStrike">
+            <a:endParaRPr b="0" lang="en-CA" sz="1800" spc="-1" strike="noStrike">
               <a:solidFill>
                 <a:srgbClr val="000000"/>
               </a:solidFill>
@@ -2578,7 +3055,7 @@
         <p:spPr>
           <a:xfrm>
             <a:off x="3983040" y="4156560"/>
-            <a:ext cx="1187280" cy="425160"/>
+            <a:ext cx="1186920" cy="424800"/>
           </a:xfrm>
           <a:prstGeom prst="rect">
             <a:avLst/>
@@ -2588,7 +3065,7 @@
           </a:solidFill>
           <a:ln>
             <a:solidFill>
-              <a:srgbClr val="3465a4"/>
+              <a:srgbClr val="ffff66"/>
             </a:solidFill>
           </a:ln>
         </p:spPr>
@@ -2607,7 +3084,7 @@
               </a:lnSpc>
             </a:pPr>
             <a:r>
-              <a:rPr b="0" lang="en-US" sz="1800" spc="-1" strike="noStrike">
+              <a:rPr b="0" lang="en-CA" sz="1800" spc="-1" strike="noStrike">
                 <a:solidFill>
                   <a:srgbClr val="000000"/>
                 </a:solidFill>
@@ -2621,7 +3098,7 @@
               </a:rPr>
               <a:t>ghRPR</a:t>
             </a:r>
-            <a:endParaRPr b="0" lang="en-US" sz="1800" spc="-1" strike="noStrike">
+            <a:endParaRPr b="0" lang="en-CA" sz="1800" spc="-1" strike="noStrike">
               <a:solidFill>
                 <a:srgbClr val="000000"/>
               </a:solidFill>
@@ -2644,7 +3121,7 @@
         <p:spPr>
           <a:xfrm>
             <a:off x="3692160" y="4600440"/>
-            <a:ext cx="1735920" cy="261000"/>
+            <a:ext cx="1735560" cy="260640"/>
           </a:xfrm>
           <a:prstGeom prst="rect">
             <a:avLst/>
@@ -2669,7 +3146,7 @@
               </a:lnSpc>
             </a:pPr>
             <a:r>
-              <a:rPr b="0" lang="en-US" sz="1200" spc="-1" strike="noStrike">
+              <a:rPr b="0" lang="en-CA" sz="1200" spc="-1" strike="noStrike">
                 <a:solidFill>
                   <a:srgbClr val="000000"/>
                 </a:solidFill>
@@ -2683,7 +3160,7 @@
               </a:rPr>
               <a:t>(Review Pull Request</a:t>
             </a:r>
-            <a:endParaRPr b="0" lang="en-US" sz="1800" spc="-1" strike="noStrike">
+            <a:endParaRPr b="0" lang="en-CA" sz="1800" spc="-1" strike="noStrike">
               <a:solidFill>
                 <a:srgbClr val="000000"/>
               </a:solidFill>
@@ -2702,7 +3179,7 @@
               </a:lnSpc>
             </a:pPr>
             <a:r>
-              <a:rPr b="0" lang="en-US" sz="1200" spc="-1" strike="noStrike">
+              <a:rPr b="0" lang="en-CA" sz="1200" spc="-1" strike="noStrike">
                 <a:solidFill>
                   <a:srgbClr val="000000"/>
                 </a:solidFill>
@@ -2716,7 +3193,7 @@
               </a:rPr>
               <a:t>for current branch)</a:t>
             </a:r>
-            <a:endParaRPr b="0" lang="en-US" sz="1800" spc="-1" strike="noStrike">
+            <a:endParaRPr b="0" lang="en-CA" sz="1800" spc="-1" strike="noStrike">
               <a:solidFill>
                 <a:srgbClr val="000000"/>
               </a:solidFill>
@@ -2739,7 +3216,7 @@
         <p:spPr>
           <a:xfrm>
             <a:off x="1824840" y="457200"/>
-            <a:ext cx="912960" cy="912960"/>
+            <a:ext cx="912600" cy="912600"/>
           </a:xfrm>
           <a:prstGeom prst="ellipse">
             <a:avLst/>
@@ -2768,7 +3245,7 @@
               </a:lnSpc>
             </a:pPr>
             <a:r>
-              <a:rPr b="0" lang="en-US" sz="1200" spc="-1" strike="noStrike">
+              <a:rPr b="0" lang="en-CA" sz="1200" spc="-1" strike="noStrike">
                 <a:solidFill>
                   <a:srgbClr val="000000"/>
                 </a:solidFill>
@@ -2782,7 +3259,7 @@
               </a:rPr>
               <a:t>JIRA</a:t>
             </a:r>
-            <a:endParaRPr b="0" lang="en-US" sz="1800" spc="-1" strike="noStrike">
+            <a:endParaRPr b="0" lang="en-CA" sz="1800" spc="-1" strike="noStrike">
               <a:solidFill>
                 <a:srgbClr val="000000"/>
               </a:solidFill>
@@ -2801,7 +3278,7 @@
               </a:lnSpc>
             </a:pPr>
             <a:r>
-              <a:rPr b="0" lang="en-US" sz="1200" spc="-1" strike="noStrike">
+              <a:rPr b="0" lang="en-CA" sz="1200" spc="-1" strike="noStrike">
                 <a:solidFill>
                   <a:srgbClr val="000000"/>
                 </a:solidFill>
@@ -2815,7 +3292,7 @@
               </a:rPr>
               <a:t>Ticket</a:t>
             </a:r>
-            <a:endParaRPr b="0" lang="en-US" sz="1800" spc="-1" strike="noStrike">
+            <a:endParaRPr b="0" lang="en-CA" sz="1800" spc="-1" strike="noStrike">
               <a:solidFill>
                 <a:srgbClr val="000000"/>
               </a:solidFill>
@@ -2834,7 +3311,7 @@
               </a:lnSpc>
             </a:pPr>
             <a:r>
-              <a:rPr b="0" lang="en-US" sz="1200" spc="-1" strike="noStrike">
+              <a:rPr b="0" lang="en-CA" sz="1200" spc="-1" strike="noStrike">
                 <a:solidFill>
                   <a:srgbClr val="000000"/>
                 </a:solidFill>
@@ -2848,7 +3325,7 @@
               </a:rPr>
               <a:t>Assigned</a:t>
             </a:r>
-            <a:endParaRPr b="0" lang="en-US" sz="1800" spc="-1" strike="noStrike">
+            <a:endParaRPr b="0" lang="en-CA" sz="1800" spc="-1" strike="noStrike">
               <a:solidFill>
                 <a:srgbClr val="000000"/>
               </a:solidFill>
@@ -2871,7 +3348,7 @@
         <p:spPr>
           <a:xfrm>
             <a:off x="1806480" y="5937840"/>
-            <a:ext cx="912960" cy="912960"/>
+            <a:ext cx="912600" cy="912600"/>
           </a:xfrm>
           <a:prstGeom prst="ellipse">
             <a:avLst/>
@@ -2900,7 +3377,7 @@
               </a:lnSpc>
             </a:pPr>
             <a:r>
-              <a:rPr b="0" lang="en-US" sz="1200" spc="-1" strike="noStrike">
+              <a:rPr b="0" lang="en-CA" sz="1200" spc="-1" strike="noStrike">
                 <a:solidFill>
                   <a:srgbClr val="000000"/>
                 </a:solidFill>
@@ -2914,7 +3391,7 @@
               </a:rPr>
               <a:t>JIRA</a:t>
             </a:r>
-            <a:endParaRPr b="0" lang="en-US" sz="1800" spc="-1" strike="noStrike">
+            <a:endParaRPr b="0" lang="en-CA" sz="1800" spc="-1" strike="noStrike">
               <a:solidFill>
                 <a:srgbClr val="000000"/>
               </a:solidFill>
@@ -2933,7 +3410,7 @@
               </a:lnSpc>
             </a:pPr>
             <a:r>
-              <a:rPr b="0" lang="en-US" sz="1200" spc="-1" strike="noStrike">
+              <a:rPr b="0" lang="en-CA" sz="1200" spc="-1" strike="noStrike">
                 <a:solidFill>
                   <a:srgbClr val="000000"/>
                 </a:solidFill>
@@ -2947,7 +3424,7 @@
               </a:rPr>
               <a:t>Ticket</a:t>
             </a:r>
-            <a:endParaRPr b="0" lang="en-US" sz="1800" spc="-1" strike="noStrike">
+            <a:endParaRPr b="0" lang="en-CA" sz="1800" spc="-1" strike="noStrike">
               <a:solidFill>
                 <a:srgbClr val="000000"/>
               </a:solidFill>
@@ -2966,7 +3443,7 @@
               </a:lnSpc>
             </a:pPr>
             <a:r>
-              <a:rPr b="0" lang="en-US" sz="1200" spc="-1" strike="noStrike">
+              <a:rPr b="0" lang="en-CA" sz="1200" spc="-1" strike="noStrike">
                 <a:solidFill>
                   <a:srgbClr val="000000"/>
                 </a:solidFill>
@@ -2980,7 +3457,7 @@
               </a:rPr>
               <a:t>Complete</a:t>
             </a:r>
-            <a:endParaRPr b="0" lang="en-US" sz="1800" spc="-1" strike="noStrike">
+            <a:endParaRPr b="0" lang="en-CA" sz="1800" spc="-1" strike="noStrike">
               <a:solidFill>
                 <a:srgbClr val="000000"/>
               </a:solidFill>
@@ -3059,7 +3536,7 @@
         <p:spPr>
           <a:xfrm>
             <a:off x="2282040" y="1371600"/>
-            <a:ext cx="360" cy="761040"/>
+            <a:ext cx="360" cy="760680"/>
           </a:xfrm>
           <a:custGeom>
             <a:avLst/>
@@ -3101,7 +3578,7 @@
         <p:spPr>
           <a:xfrm flipV="1">
             <a:off x="3425040" y="2388240"/>
-            <a:ext cx="1678320" cy="1800"/>
+            <a:ext cx="1677960" cy="1440"/>
           </a:xfrm>
           <a:custGeom>
             <a:avLst/>
@@ -3143,7 +3620,7 @@
         <p:spPr>
           <a:xfrm>
             <a:off x="2870640" y="4356000"/>
-            <a:ext cx="1111680" cy="360"/>
+            <a:ext cx="1111320" cy="360"/>
           </a:xfrm>
           <a:custGeom>
             <a:avLst/>
@@ -3185,7 +3662,7 @@
         <p:spPr>
           <a:xfrm>
             <a:off x="2720880" y="6395040"/>
-            <a:ext cx="1813680" cy="7200"/>
+            <a:ext cx="1813320" cy="6840"/>
           </a:xfrm>
           <a:custGeom>
             <a:avLst/>
@@ -3227,7 +3704,7 @@
         <p:spPr>
           <a:xfrm>
             <a:off x="6309360" y="313560"/>
-            <a:ext cx="2834640" cy="401400"/>
+            <a:ext cx="2834280" cy="401040"/>
           </a:xfrm>
           <a:prstGeom prst="rect">
             <a:avLst/>
@@ -3248,9 +3725,13 @@
         <p:txBody>
           <a:bodyPr lIns="90000" rIns="90000" tIns="45000" bIns="45000" anchor="ctr"/>
           <a:p>
-            <a:pPr algn="ctr"/>
-            <a:r>
-              <a:rPr b="1" lang="en-US" sz="1800" spc="-1" strike="noStrike">
+            <a:pPr algn="ctr">
+              <a:lnSpc>
+                <a:spcPct val="100000"/>
+              </a:lnSpc>
+            </a:pPr>
+            <a:r>
+              <a:rPr b="1" lang="en-CA" sz="1800" spc="-1" strike="noStrike">
                 <a:solidFill>
                   <a:srgbClr val="ffffff"/>
                 </a:solidFill>
@@ -3264,7 +3745,7 @@
               </a:rPr>
               <a:t>Developer Workflow</a:t>
             </a:r>
-            <a:endParaRPr b="0" lang="en-US" sz="1800" spc="-1" strike="noStrike">
+            <a:endParaRPr b="0" lang="en-CA" sz="1800" spc="-1" strike="noStrike">
               <a:solidFill>
                 <a:srgbClr val="000000"/>
               </a:solidFill>
@@ -3287,7 +3768,7 @@
         <p:spPr>
           <a:xfrm>
             <a:off x="8138160" y="3912480"/>
-            <a:ext cx="912960" cy="912960"/>
+            <a:ext cx="912600" cy="912600"/>
           </a:xfrm>
           <a:prstGeom prst="ellipse">
             <a:avLst/>
@@ -3316,7 +3797,7 @@
               </a:lnSpc>
             </a:pPr>
             <a:r>
-              <a:rPr b="0" lang="en-US" sz="1200" spc="-1" strike="noStrike">
+              <a:rPr b="0" lang="en-CA" sz="1200" spc="-1" strike="noStrike">
                 <a:solidFill>
                   <a:srgbClr val="000000"/>
                 </a:solidFill>
@@ -3330,7 +3811,7 @@
               </a:rPr>
               <a:t>Branch</a:t>
             </a:r>
-            <a:endParaRPr b="0" lang="en-US" sz="1800" spc="-1" strike="noStrike">
+            <a:endParaRPr b="0" lang="en-CA" sz="1800" spc="-1" strike="noStrike">
               <a:solidFill>
                 <a:srgbClr val="000000"/>
               </a:solidFill>
@@ -3349,7 +3830,7 @@
               </a:lnSpc>
             </a:pPr>
             <a:r>
-              <a:rPr b="0" lang="en-US" sz="1200" spc="-1" strike="noStrike">
+              <a:rPr b="0" lang="en-CA" sz="1200" spc="-1" strike="noStrike">
                 <a:solidFill>
                   <a:srgbClr val="000000"/>
                 </a:solidFill>
@@ -3363,7 +3844,7 @@
               </a:rPr>
               <a:t>Merged</a:t>
             </a:r>
-            <a:endParaRPr b="0" lang="en-US" sz="1800" spc="-1" strike="noStrike">
+            <a:endParaRPr b="0" lang="en-CA" sz="1800" spc="-1" strike="noStrike">
               <a:solidFill>
                 <a:srgbClr val="000000"/>
               </a:solidFill>
@@ -3386,7 +3867,7 @@
         <p:spPr>
           <a:xfrm>
             <a:off x="6302520" y="3912480"/>
-            <a:ext cx="912960" cy="912960"/>
+            <a:ext cx="912600" cy="912600"/>
           </a:xfrm>
           <a:prstGeom prst="ellipse">
             <a:avLst/>
@@ -3415,7 +3896,7 @@
               </a:lnSpc>
             </a:pPr>
             <a:r>
-              <a:rPr b="0" lang="en-US" sz="1200" spc="-1" strike="noStrike">
+              <a:rPr b="0" lang="en-CA" sz="1200" spc="-1" strike="noStrike">
                 <a:solidFill>
                   <a:srgbClr val="000000"/>
                 </a:solidFill>
@@ -3429,7 +3910,7 @@
               </a:rPr>
               <a:t>Respond</a:t>
             </a:r>
-            <a:endParaRPr b="0" lang="en-US" sz="1800" spc="-1" strike="noStrike">
+            <a:endParaRPr b="0" lang="en-CA" sz="1800" spc="-1" strike="noStrike">
               <a:solidFill>
                 <a:srgbClr val="000000"/>
               </a:solidFill>
@@ -3448,7 +3929,7 @@
               </a:lnSpc>
             </a:pPr>
             <a:r>
-              <a:rPr b="0" lang="en-US" sz="1200" spc="-1" strike="noStrike">
+              <a:rPr b="0" lang="en-CA" sz="1200" spc="-1" strike="noStrike">
                 <a:solidFill>
                   <a:srgbClr val="000000"/>
                 </a:solidFill>
@@ -3462,7 +3943,7 @@
               </a:rPr>
               <a:t>To All</a:t>
             </a:r>
-            <a:endParaRPr b="0" lang="en-US" sz="1800" spc="-1" strike="noStrike">
+            <a:endParaRPr b="0" lang="en-CA" sz="1800" spc="-1" strike="noStrike">
               <a:solidFill>
                 <a:srgbClr val="000000"/>
               </a:solidFill>
@@ -3481,7 +3962,7 @@
               </a:lnSpc>
             </a:pPr>
             <a:r>
-              <a:rPr b="0" lang="en-US" sz="1200" spc="-1" strike="noStrike">
+              <a:rPr b="0" lang="en-CA" sz="1200" spc="-1" strike="noStrike">
                 <a:solidFill>
                   <a:srgbClr val="000000"/>
                 </a:solidFill>
@@ -3495,7 +3976,7 @@
               </a:rPr>
               <a:t>Comments</a:t>
             </a:r>
-            <a:endParaRPr b="0" lang="en-US" sz="1800" spc="-1" strike="noStrike">
+            <a:endParaRPr b="0" lang="en-CA" sz="1800" spc="-1" strike="noStrike">
               <a:solidFill>
                 <a:srgbClr val="000000"/>
               </a:solidFill>
@@ -3518,7 +3999,7 @@
         <p:spPr>
           <a:xfrm>
             <a:off x="5171040" y="4369320"/>
-            <a:ext cx="1131120" cy="360"/>
+            <a:ext cx="1130760" cy="360"/>
           </a:xfrm>
           <a:custGeom>
             <a:avLst/>
@@ -3560,7 +4041,7 @@
         <p:spPr>
           <a:xfrm>
             <a:off x="7216200" y="4369320"/>
-            <a:ext cx="921600" cy="360"/>
+            <a:ext cx="921240" cy="360"/>
           </a:xfrm>
           <a:custGeom>
             <a:avLst/>
@@ -3602,7 +4083,7 @@
         <p:spPr>
           <a:xfrm>
             <a:off x="8138520" y="1932840"/>
-            <a:ext cx="912960" cy="912960"/>
+            <a:ext cx="912600" cy="912600"/>
           </a:xfrm>
           <a:prstGeom prst="ellipse">
             <a:avLst/>
@@ -3631,7 +4112,7 @@
               </a:lnSpc>
             </a:pPr>
             <a:r>
-              <a:rPr b="0" lang="en-US" sz="1100" spc="-1" strike="noStrike">
+              <a:rPr b="0" lang="en-CA" sz="1100" spc="-1" strike="noStrike">
                 <a:solidFill>
                   <a:srgbClr val="000000"/>
                 </a:solidFill>
@@ -3645,7 +4126,7 @@
               </a:rPr>
               <a:t>Development</a:t>
             </a:r>
-            <a:endParaRPr b="0" lang="en-US" sz="1800" spc="-1" strike="noStrike">
+            <a:endParaRPr b="0" lang="en-CA" sz="1800" spc="-1" strike="noStrike">
               <a:solidFill>
                 <a:srgbClr val="000000"/>
               </a:solidFill>
@@ -3664,7 +4145,7 @@
               </a:lnSpc>
             </a:pPr>
             <a:r>
-              <a:rPr b="0" lang="en-US" sz="1200" spc="-1" strike="noStrike">
+              <a:rPr b="0" lang="en-CA" sz="1200" spc="-1" strike="noStrike">
                 <a:solidFill>
                   <a:srgbClr val="000000"/>
                 </a:solidFill>
@@ -3678,7 +4159,7 @@
               </a:rPr>
               <a:t>Complete</a:t>
             </a:r>
-            <a:endParaRPr b="0" lang="en-US" sz="1800" spc="-1" strike="noStrike">
+            <a:endParaRPr b="0" lang="en-CA" sz="1800" spc="-1" strike="noStrike">
               <a:solidFill>
                 <a:srgbClr val="000000"/>
               </a:solidFill>
@@ -3701,7 +4182,7 @@
         <p:spPr>
           <a:xfrm>
             <a:off x="6292440" y="2378520"/>
-            <a:ext cx="1845720" cy="360"/>
+            <a:ext cx="1845360" cy="360"/>
           </a:xfrm>
           <a:custGeom>
             <a:avLst/>
@@ -3736,14 +4217,14 @@
       </p:sp>
       <p:sp>
         <p:nvSpPr>
-          <p:cNvPr id="64" name="TextShape 29"/>
-          <p:cNvSpPr txBox="1"/>
+          <p:cNvPr id="64" name="CustomShape 29"/>
+          <p:cNvSpPr/>
           <p:nvPr/>
         </p:nvSpPr>
         <p:spPr>
           <a:xfrm>
             <a:off x="6192720" y="734400"/>
-            <a:ext cx="3047400" cy="288720"/>
+            <a:ext cx="3047040" cy="288360"/>
           </a:xfrm>
           <a:prstGeom prst="rect">
             <a:avLst/>
@@ -3753,11 +4234,17 @@
             <a:noFill/>
           </a:ln>
         </p:spPr>
+        <p:style>
+          <a:lnRef idx="0"/>
+          <a:fillRef idx="0"/>
+          <a:effectRef idx="0"/>
+          <a:fontRef idx="minor"/>
+        </p:style>
         <p:txBody>
           <a:bodyPr lIns="90000" rIns="90000" tIns="45000" bIns="45000"/>
           <a:p>
             <a:r>
-              <a:rPr b="0" lang="en-US" sz="1400" spc="-1" strike="noStrike">
+              <a:rPr b="0" lang="en-CA" sz="1400" spc="-1" strike="noStrike">
                 <a:solidFill>
                   <a:srgbClr val="0000cc"/>
                 </a:solidFill>
@@ -3770,7 +4257,7 @@
               </a:rPr>
               <a:t>Working with upstream/development</a:t>
             </a:r>
-            <a:endParaRPr b="0" lang="en-US" sz="1800" spc="-1" strike="noStrike">
+            <a:endParaRPr b="0" lang="en-CA" sz="1800" spc="-1" strike="noStrike">
               <a:solidFill>
                 <a:srgbClr val="000000"/>
               </a:solidFill>
@@ -3793,6 +4280,1956 @@
           <p:childTnLst>
             <p:seq>
               <p:cTn id="2" nodeType="mainSeq"/>
+              <p:prevCondLst>
+                <p:cond delay="0" evt="onPrev">
+                  <p:tgtEl>
+                    <p:sldTgt/>
+                  </p:tgtEl>
+                </p:cond>
+              </p:prevCondLst>
+              <p:nextCondLst>
+                <p:cond delay="0" evt="onNext">
+                  <p:tgtEl>
+                    <p:sldTgt/>
+                  </p:tgtEl>
+                </p:cond>
+              </p:nextCondLst>
+            </p:seq>
+          </p:childTnLst>
+        </p:cTn>
+      </p:par>
+    </p:tnLst>
+  </p:timing>
+</p:sld>
+</file>
+
+<file path=ppt/slides/slide2.xml><?xml version="1.0" encoding="utf-8"?>
+<p:sld xmlns:a="http://schemas.openxmlformats.org/drawingml/2006/main" xmlns:p="http://schemas.openxmlformats.org/presentationml/2006/main" xmlns:r="http://schemas.openxmlformats.org/officeDocument/2006/relationships" xmlns:p14="http://schemas.microsoft.com/office/powerpoint/2010/main" xmlns:p15="http://schemas.microsoft.com/office/powerpoint/2012/main" xmlns:mc="http://schemas.openxmlformats.org/markup-compatibility/2006">
+  <p:cSld>
+    <p:spTree>
+      <p:nvGrpSpPr>
+        <p:cNvPr id="1" name=""/>
+        <p:cNvGrpSpPr/>
+        <p:nvPr/>
+      </p:nvGrpSpPr>
+      <p:grpSpPr>
+        <a:xfrm>
+          <a:off x="0" y="0"/>
+          <a:ext cx="0" cy="0"/>
+          <a:chOff x="0" y="0"/>
+          <a:chExt cx="0" cy="0"/>
+        </a:xfrm>
+      </p:grpSpPr>
+      <p:sp>
+        <p:nvSpPr>
+          <p:cNvPr id="65" name="CustomShape 1"/>
+          <p:cNvSpPr/>
+          <p:nvPr/>
+        </p:nvSpPr>
+        <p:spPr>
+          <a:xfrm>
+            <a:off x="548640" y="5569920"/>
+            <a:ext cx="9142200" cy="1441800"/>
+          </a:xfrm>
+          <a:prstGeom prst="rect">
+            <a:avLst/>
+          </a:prstGeom>
+          <a:solidFill>
+            <a:srgbClr val="eeeeee"/>
+          </a:solidFill>
+          <a:ln>
+            <a:solidFill>
+              <a:srgbClr val="666666"/>
+            </a:solidFill>
+          </a:ln>
+        </p:spPr>
+        <p:style>
+          <a:lnRef idx="0"/>
+          <a:fillRef idx="0"/>
+          <a:effectRef idx="0"/>
+          <a:fontRef idx="minor"/>
+        </p:style>
+        <p:txBody>
+          <a:bodyPr wrap="none" lIns="90000" rIns="90000" tIns="45000" bIns="45000"/>
+          <a:p>
+            <a:pPr algn="ctr">
+              <a:lnSpc>
+                <a:spcPct val="100000"/>
+              </a:lnSpc>
+            </a:pPr>
+            <a:r>
+              <a:rPr b="0" lang="en-CA" sz="1800" spc="-1" strike="noStrike">
+                <a:solidFill>
+                  <a:srgbClr val="3333ff"/>
+                </a:solidFill>
+                <a:uFill>
+                  <a:solidFill>
+                    <a:srgbClr val="ffffff"/>
+                  </a:solidFill>
+                </a:uFill>
+                <a:latin typeface="Arial"/>
+                <a:ea typeface="DejaVu Sans"/>
+              </a:rPr>
+              <a:t>Ticket Completion</a:t>
+            </a:r>
+            <a:endParaRPr b="0" lang="en-CA" sz="1800" spc="-1" strike="noStrike">
+              <a:solidFill>
+                <a:srgbClr val="000000"/>
+              </a:solidFill>
+              <a:uFill>
+                <a:solidFill>
+                  <a:srgbClr val="ffffff"/>
+                </a:solidFill>
+              </a:uFill>
+              <a:latin typeface="Arial"/>
+            </a:endParaRPr>
+          </a:p>
+        </p:txBody>
+      </p:sp>
+      <p:sp>
+        <p:nvSpPr>
+          <p:cNvPr id="66" name="CustomShape 2"/>
+          <p:cNvSpPr/>
+          <p:nvPr/>
+        </p:nvSpPr>
+        <p:spPr>
+          <a:xfrm>
+            <a:off x="548640" y="3553920"/>
+            <a:ext cx="9142200" cy="1558080"/>
+          </a:xfrm>
+          <a:prstGeom prst="rect">
+            <a:avLst/>
+          </a:prstGeom>
+          <a:solidFill>
+            <a:srgbClr val="eeeeee"/>
+          </a:solidFill>
+          <a:ln>
+            <a:solidFill>
+              <a:srgbClr val="666666"/>
+            </a:solidFill>
+          </a:ln>
+        </p:spPr>
+        <p:style>
+          <a:lnRef idx="0"/>
+          <a:fillRef idx="0"/>
+          <a:effectRef idx="0"/>
+          <a:fontRef idx="minor"/>
+        </p:style>
+        <p:txBody>
+          <a:bodyPr wrap="none" lIns="90000" rIns="90000" tIns="45000" bIns="45000"/>
+          <a:p>
+            <a:pPr algn="ctr">
+              <a:lnSpc>
+                <a:spcPct val="100000"/>
+              </a:lnSpc>
+            </a:pPr>
+            <a:r>
+              <a:rPr b="0" lang="en-CA" sz="1800" spc="-1" strike="noStrike">
+                <a:solidFill>
+                  <a:srgbClr val="3333ff"/>
+                </a:solidFill>
+                <a:uFill>
+                  <a:solidFill>
+                    <a:srgbClr val="ffffff"/>
+                  </a:solidFill>
+                </a:uFill>
+                <a:latin typeface="Arial"/>
+                <a:ea typeface="DejaVu Sans"/>
+              </a:rPr>
+              <a:t>Merge into Upstream Branch</a:t>
+            </a:r>
+            <a:endParaRPr b="0" lang="en-CA" sz="1800" spc="-1" strike="noStrike">
+              <a:solidFill>
+                <a:srgbClr val="000000"/>
+              </a:solidFill>
+              <a:uFill>
+                <a:solidFill>
+                  <a:srgbClr val="ffffff"/>
+                </a:solidFill>
+              </a:uFill>
+              <a:latin typeface="Arial"/>
+            </a:endParaRPr>
+          </a:p>
+        </p:txBody>
+      </p:sp>
+      <p:sp>
+        <p:nvSpPr>
+          <p:cNvPr id="67" name="CustomShape 3"/>
+          <p:cNvSpPr/>
+          <p:nvPr/>
+        </p:nvSpPr>
+        <p:spPr>
+          <a:xfrm>
+            <a:off x="548640" y="1573920"/>
+            <a:ext cx="9142200" cy="1533600"/>
+          </a:xfrm>
+          <a:prstGeom prst="rect">
+            <a:avLst/>
+          </a:prstGeom>
+          <a:solidFill>
+            <a:srgbClr val="eeeeee"/>
+          </a:solidFill>
+          <a:ln>
+            <a:solidFill>
+              <a:srgbClr val="666666"/>
+            </a:solidFill>
+          </a:ln>
+        </p:spPr>
+        <p:style>
+          <a:lnRef idx="0"/>
+          <a:fillRef idx="0"/>
+          <a:effectRef idx="0"/>
+          <a:fontRef idx="minor"/>
+        </p:style>
+        <p:txBody>
+          <a:bodyPr wrap="none" lIns="90000" rIns="90000" tIns="45000" bIns="45000"/>
+          <a:p>
+            <a:pPr algn="ctr">
+              <a:lnSpc>
+                <a:spcPct val="100000"/>
+              </a:lnSpc>
+            </a:pPr>
+            <a:r>
+              <a:rPr b="0" lang="en-CA" sz="1800" spc="-1" strike="noStrike">
+                <a:solidFill>
+                  <a:srgbClr val="3333ff"/>
+                </a:solidFill>
+                <a:uFill>
+                  <a:solidFill>
+                    <a:srgbClr val="ffffff"/>
+                  </a:solidFill>
+                </a:uFill>
+                <a:latin typeface="Arial"/>
+                <a:ea typeface="DejaVu Sans"/>
+              </a:rPr>
+              <a:t>Development in Developer Fork</a:t>
+            </a:r>
+            <a:endParaRPr b="0" lang="en-CA" sz="1800" spc="-1" strike="noStrike">
+              <a:solidFill>
+                <a:srgbClr val="000000"/>
+              </a:solidFill>
+              <a:uFill>
+                <a:solidFill>
+                  <a:srgbClr val="ffffff"/>
+                </a:solidFill>
+              </a:uFill>
+              <a:latin typeface="Arial"/>
+            </a:endParaRPr>
+          </a:p>
+        </p:txBody>
+      </p:sp>
+      <p:sp>
+        <p:nvSpPr>
+          <p:cNvPr id="68" name="CustomShape 4"/>
+          <p:cNvSpPr/>
+          <p:nvPr/>
+        </p:nvSpPr>
+        <p:spPr>
+          <a:xfrm>
+            <a:off x="648000" y="2176920"/>
+            <a:ext cx="3168000" cy="424800"/>
+          </a:xfrm>
+          <a:prstGeom prst="rect">
+            <a:avLst/>
+          </a:prstGeom>
+          <a:solidFill>
+            <a:srgbClr val="fefebf"/>
+          </a:solidFill>
+          <a:ln>
+            <a:solidFill>
+              <a:srgbClr val="ffff66"/>
+            </a:solidFill>
+          </a:ln>
+        </p:spPr>
+        <p:style>
+          <a:lnRef idx="0"/>
+          <a:fillRef idx="0"/>
+          <a:effectRef idx="0"/>
+          <a:fontRef idx="minor"/>
+        </p:style>
+        <p:txBody>
+          <a:bodyPr wrap="none" lIns="90000" rIns="90000" tIns="45000" bIns="45000" anchor="ctr"/>
+          <a:p>
+            <a:pPr algn="ctr">
+              <a:lnSpc>
+                <a:spcPct val="100000"/>
+              </a:lnSpc>
+            </a:pPr>
+            <a:r>
+              <a:rPr b="0" lang="en-CA" sz="1800" spc="-1" strike="noStrike">
+                <a:solidFill>
+                  <a:srgbClr val="000000"/>
+                </a:solidFill>
+                <a:uFill>
+                  <a:solidFill>
+                    <a:srgbClr val="ffffff"/>
+                  </a:solidFill>
+                </a:uFill>
+                <a:latin typeface="Arial"/>
+                <a:ea typeface="DejaVu Sans"/>
+              </a:rPr>
+              <a:t>ghNJBR ticket_number 4.0</a:t>
+            </a:r>
+            <a:endParaRPr b="0" lang="en-CA" sz="1800" spc="-1" strike="noStrike">
+              <a:solidFill>
+                <a:srgbClr val="000000"/>
+              </a:solidFill>
+              <a:uFill>
+                <a:solidFill>
+                  <a:srgbClr val="ffffff"/>
+                </a:solidFill>
+              </a:uFill>
+              <a:latin typeface="Arial"/>
+            </a:endParaRPr>
+          </a:p>
+        </p:txBody>
+      </p:sp>
+      <p:sp>
+        <p:nvSpPr>
+          <p:cNvPr id="69" name="CustomShape 5"/>
+          <p:cNvSpPr/>
+          <p:nvPr/>
+        </p:nvSpPr>
+        <p:spPr>
+          <a:xfrm>
+            <a:off x="4824000" y="2176920"/>
+            <a:ext cx="1611360" cy="424800"/>
+          </a:xfrm>
+          <a:prstGeom prst="rect">
+            <a:avLst/>
+          </a:prstGeom>
+          <a:solidFill>
+            <a:srgbClr val="fefebf"/>
+          </a:solidFill>
+          <a:ln>
+            <a:solidFill>
+              <a:srgbClr val="ffff66"/>
+            </a:solidFill>
+          </a:ln>
+        </p:spPr>
+        <p:style>
+          <a:lnRef idx="0"/>
+          <a:fillRef idx="0"/>
+          <a:effectRef idx="0"/>
+          <a:fontRef idx="minor"/>
+        </p:style>
+        <p:txBody>
+          <a:bodyPr wrap="none" lIns="90000" rIns="90000" tIns="45000" bIns="45000" anchor="ctr"/>
+          <a:p>
+            <a:pPr algn="ctr">
+              <a:lnSpc>
+                <a:spcPct val="100000"/>
+              </a:lnSpc>
+            </a:pPr>
+            <a:r>
+              <a:rPr b="0" lang="en-CA" sz="1800" spc="-1" strike="noStrike">
+                <a:solidFill>
+                  <a:srgbClr val="000000"/>
+                </a:solidFill>
+                <a:uFill>
+                  <a:solidFill>
+                    <a:srgbClr val="ffffff"/>
+                  </a:solidFill>
+                </a:uFill>
+                <a:latin typeface="Arial"/>
+                <a:ea typeface="DejaVu Sans"/>
+              </a:rPr>
+              <a:t>GhUBUR 4.0</a:t>
+            </a:r>
+            <a:endParaRPr b="0" lang="en-CA" sz="1800" spc="-1" strike="noStrike">
+              <a:solidFill>
+                <a:srgbClr val="000000"/>
+              </a:solidFill>
+              <a:uFill>
+                <a:solidFill>
+                  <a:srgbClr val="ffffff"/>
+                </a:solidFill>
+              </a:uFill>
+              <a:latin typeface="Arial"/>
+            </a:endParaRPr>
+          </a:p>
+        </p:txBody>
+      </p:sp>
+      <p:sp>
+        <p:nvSpPr>
+          <p:cNvPr id="70" name="CustomShape 6"/>
+          <p:cNvSpPr/>
+          <p:nvPr/>
+        </p:nvSpPr>
+        <p:spPr>
+          <a:xfrm>
+            <a:off x="1188720" y="2571840"/>
+            <a:ext cx="2194200" cy="261000"/>
+          </a:xfrm>
+          <a:prstGeom prst="rect">
+            <a:avLst/>
+          </a:prstGeom>
+          <a:noFill/>
+          <a:ln>
+            <a:noFill/>
+          </a:ln>
+        </p:spPr>
+        <p:style>
+          <a:lnRef idx="0"/>
+          <a:fillRef idx="0"/>
+          <a:effectRef idx="0"/>
+          <a:fontRef idx="minor"/>
+        </p:style>
+        <p:txBody>
+          <a:bodyPr lIns="90000" rIns="90000" tIns="45000" bIns="45000"/>
+          <a:p>
+            <a:pPr algn="ctr">
+              <a:lnSpc>
+                <a:spcPct val="100000"/>
+              </a:lnSpc>
+            </a:pPr>
+            <a:r>
+              <a:rPr b="0" lang="en-CA" sz="1200" spc="-1" strike="noStrike">
+                <a:solidFill>
+                  <a:srgbClr val="000000"/>
+                </a:solidFill>
+                <a:uFill>
+                  <a:solidFill>
+                    <a:srgbClr val="ffffff"/>
+                  </a:solidFill>
+                </a:uFill>
+                <a:latin typeface="Arial"/>
+                <a:ea typeface="DejaVu Sans"/>
+              </a:rPr>
+              <a:t>(New JIRA Branch from upstream/release/4.0)</a:t>
+            </a:r>
+            <a:endParaRPr b="0" lang="en-CA" sz="1800" spc="-1" strike="noStrike">
+              <a:solidFill>
+                <a:srgbClr val="000000"/>
+              </a:solidFill>
+              <a:uFill>
+                <a:solidFill>
+                  <a:srgbClr val="ffffff"/>
+                </a:solidFill>
+              </a:uFill>
+              <a:latin typeface="Arial"/>
+            </a:endParaRPr>
+          </a:p>
+        </p:txBody>
+      </p:sp>
+      <p:sp>
+        <p:nvSpPr>
+          <p:cNvPr id="71" name="CustomShape 7"/>
+          <p:cNvSpPr/>
+          <p:nvPr/>
+        </p:nvSpPr>
+        <p:spPr>
+          <a:xfrm>
+            <a:off x="4470120" y="2571840"/>
+            <a:ext cx="2455560" cy="261000"/>
+          </a:xfrm>
+          <a:prstGeom prst="rect">
+            <a:avLst/>
+          </a:prstGeom>
+          <a:noFill/>
+          <a:ln>
+            <a:noFill/>
+          </a:ln>
+        </p:spPr>
+        <p:style>
+          <a:lnRef idx="0"/>
+          <a:fillRef idx="0"/>
+          <a:effectRef idx="0"/>
+          <a:fontRef idx="minor"/>
+        </p:style>
+        <p:txBody>
+          <a:bodyPr lIns="90000" rIns="90000" tIns="45000" bIns="45000"/>
+          <a:p>
+            <a:pPr algn="ctr">
+              <a:lnSpc>
+                <a:spcPct val="100000"/>
+              </a:lnSpc>
+            </a:pPr>
+            <a:r>
+              <a:rPr b="0" lang="en-CA" sz="1200" spc="-1" strike="noStrike">
+                <a:solidFill>
+                  <a:srgbClr val="000000"/>
+                </a:solidFill>
+                <a:uFill>
+                  <a:solidFill>
+                    <a:srgbClr val="ffffff"/>
+                  </a:solidFill>
+                </a:uFill>
+                <a:latin typeface="Arial"/>
+                <a:ea typeface="DejaVu Sans"/>
+              </a:rPr>
+              <a:t>(Update (current) Branch with upstream/release/4.0)</a:t>
+            </a:r>
+            <a:endParaRPr b="0" lang="en-CA" sz="1800" spc="-1" strike="noStrike">
+              <a:solidFill>
+                <a:srgbClr val="000000"/>
+              </a:solidFill>
+              <a:uFill>
+                <a:solidFill>
+                  <a:srgbClr val="ffffff"/>
+                </a:solidFill>
+              </a:uFill>
+              <a:latin typeface="Arial"/>
+            </a:endParaRPr>
+          </a:p>
+        </p:txBody>
+      </p:sp>
+      <p:sp>
+        <p:nvSpPr>
+          <p:cNvPr id="72" name="CustomShape 8"/>
+          <p:cNvSpPr/>
+          <p:nvPr/>
+        </p:nvSpPr>
+        <p:spPr>
+          <a:xfrm>
+            <a:off x="4535640" y="6190200"/>
+            <a:ext cx="2520360" cy="424800"/>
+          </a:xfrm>
+          <a:prstGeom prst="rect">
+            <a:avLst/>
+          </a:prstGeom>
+          <a:solidFill>
+            <a:srgbClr val="ffff99"/>
+          </a:solidFill>
+          <a:ln>
+            <a:solidFill>
+              <a:srgbClr val="ffff66"/>
+            </a:solidFill>
+          </a:ln>
+        </p:spPr>
+        <p:style>
+          <a:lnRef idx="0"/>
+          <a:fillRef idx="0"/>
+          <a:effectRef idx="0"/>
+          <a:fontRef idx="minor"/>
+        </p:style>
+        <p:txBody>
+          <a:bodyPr wrap="none" lIns="90000" rIns="90000" tIns="45000" bIns="45000" anchor="ctr"/>
+          <a:p>
+            <a:pPr algn="ctr">
+              <a:lnSpc>
+                <a:spcPct val="100000"/>
+              </a:lnSpc>
+            </a:pPr>
+            <a:r>
+              <a:rPr b="0" lang="en-CA" sz="1800" spc="-1" strike="noStrike">
+                <a:solidFill>
+                  <a:srgbClr val="000000"/>
+                </a:solidFill>
+                <a:uFill>
+                  <a:solidFill>
+                    <a:srgbClr val="ffffff"/>
+                  </a:solidFill>
+                </a:uFill>
+                <a:latin typeface="Arial"/>
+                <a:ea typeface="DejaVu Sans"/>
+              </a:rPr>
+              <a:t>ghDJB ticket_number</a:t>
+            </a:r>
+            <a:endParaRPr b="0" lang="en-CA" sz="1800" spc="-1" strike="noStrike">
+              <a:solidFill>
+                <a:srgbClr val="000000"/>
+              </a:solidFill>
+              <a:uFill>
+                <a:solidFill>
+                  <a:srgbClr val="ffffff"/>
+                </a:solidFill>
+              </a:uFill>
+              <a:latin typeface="Arial"/>
+            </a:endParaRPr>
+          </a:p>
+        </p:txBody>
+      </p:sp>
+      <p:sp>
+        <p:nvSpPr>
+          <p:cNvPr id="73" name="CustomShape 9"/>
+          <p:cNvSpPr/>
+          <p:nvPr/>
+        </p:nvSpPr>
+        <p:spPr>
+          <a:xfrm>
+            <a:off x="4856760" y="6628320"/>
+            <a:ext cx="1706400" cy="261000"/>
+          </a:xfrm>
+          <a:prstGeom prst="rect">
+            <a:avLst/>
+          </a:prstGeom>
+          <a:noFill/>
+          <a:ln>
+            <a:noFill/>
+          </a:ln>
+        </p:spPr>
+        <p:style>
+          <a:lnRef idx="0"/>
+          <a:fillRef idx="0"/>
+          <a:effectRef idx="0"/>
+          <a:fontRef idx="minor"/>
+        </p:style>
+        <p:txBody>
+          <a:bodyPr lIns="90000" rIns="90000" tIns="45000" bIns="45000"/>
+          <a:p>
+            <a:pPr algn="ctr">
+              <a:lnSpc>
+                <a:spcPct val="100000"/>
+              </a:lnSpc>
+            </a:pPr>
+            <a:r>
+              <a:rPr b="0" lang="en-CA" sz="1200" spc="-1" strike="noStrike">
+                <a:solidFill>
+                  <a:srgbClr val="000000"/>
+                </a:solidFill>
+                <a:uFill>
+                  <a:solidFill>
+                    <a:srgbClr val="ffffff"/>
+                  </a:solidFill>
+                </a:uFill>
+                <a:latin typeface="Arial"/>
+                <a:ea typeface="DejaVu Sans"/>
+              </a:rPr>
+              <a:t>(Destroy JIRA Branch)</a:t>
+            </a:r>
+            <a:endParaRPr b="0" lang="en-CA" sz="1800" spc="-1" strike="noStrike">
+              <a:solidFill>
+                <a:srgbClr val="000000"/>
+              </a:solidFill>
+              <a:uFill>
+                <a:solidFill>
+                  <a:srgbClr val="ffffff"/>
+                </a:solidFill>
+              </a:uFill>
+              <a:latin typeface="Arial"/>
+            </a:endParaRPr>
+          </a:p>
+        </p:txBody>
+      </p:sp>
+      <p:sp>
+        <p:nvSpPr>
+          <p:cNvPr id="74" name="CustomShape 10"/>
+          <p:cNvSpPr/>
+          <p:nvPr/>
+        </p:nvSpPr>
+        <p:spPr>
+          <a:xfrm>
+            <a:off x="1152000" y="4156560"/>
+            <a:ext cx="1716840" cy="424800"/>
+          </a:xfrm>
+          <a:prstGeom prst="rect">
+            <a:avLst/>
+          </a:prstGeom>
+          <a:solidFill>
+            <a:srgbClr val="fefebf"/>
+          </a:solidFill>
+          <a:ln>
+            <a:solidFill>
+              <a:srgbClr val="ffff66"/>
+            </a:solidFill>
+          </a:ln>
+        </p:spPr>
+        <p:style>
+          <a:lnRef idx="0"/>
+          <a:fillRef idx="0"/>
+          <a:effectRef idx="0"/>
+          <a:fontRef idx="minor"/>
+        </p:style>
+        <p:txBody>
+          <a:bodyPr wrap="none" lIns="90000" rIns="90000" tIns="45000" bIns="45000" anchor="ctr"/>
+          <a:p>
+            <a:pPr algn="ctr">
+              <a:lnSpc>
+                <a:spcPct val="100000"/>
+              </a:lnSpc>
+            </a:pPr>
+            <a:r>
+              <a:rPr b="0" lang="en-CA" sz="1800" spc="-1" strike="noStrike">
+                <a:solidFill>
+                  <a:srgbClr val="000000"/>
+                </a:solidFill>
+                <a:uFill>
+                  <a:solidFill>
+                    <a:srgbClr val="ffffff"/>
+                  </a:solidFill>
+                </a:uFill>
+                <a:latin typeface="Arial"/>
+                <a:ea typeface="DejaVu Sans"/>
+              </a:rPr>
+              <a:t>GhNPRR 4.0</a:t>
+            </a:r>
+            <a:endParaRPr b="0" lang="en-CA" sz="1800" spc="-1" strike="noStrike">
+              <a:solidFill>
+                <a:srgbClr val="000000"/>
+              </a:solidFill>
+              <a:uFill>
+                <a:solidFill>
+                  <a:srgbClr val="ffffff"/>
+                </a:solidFill>
+              </a:uFill>
+              <a:latin typeface="Arial"/>
+            </a:endParaRPr>
+          </a:p>
+        </p:txBody>
+      </p:sp>
+      <p:sp>
+        <p:nvSpPr>
+          <p:cNvPr id="75" name="CustomShape 11"/>
+          <p:cNvSpPr/>
+          <p:nvPr/>
+        </p:nvSpPr>
+        <p:spPr>
+          <a:xfrm>
+            <a:off x="1097280" y="4581000"/>
+            <a:ext cx="2285640" cy="291600"/>
+          </a:xfrm>
+          <a:prstGeom prst="rect">
+            <a:avLst/>
+          </a:prstGeom>
+          <a:noFill/>
+          <a:ln>
+            <a:noFill/>
+          </a:ln>
+        </p:spPr>
+        <p:style>
+          <a:lnRef idx="0"/>
+          <a:fillRef idx="0"/>
+          <a:effectRef idx="0"/>
+          <a:fontRef idx="minor"/>
+        </p:style>
+        <p:txBody>
+          <a:bodyPr lIns="90000" rIns="90000" tIns="45000" bIns="45000"/>
+          <a:p>
+            <a:pPr algn="ctr">
+              <a:lnSpc>
+                <a:spcPct val="100000"/>
+              </a:lnSpc>
+            </a:pPr>
+            <a:r>
+              <a:rPr b="0" lang="en-CA" sz="1200" spc="-1" strike="noStrike">
+                <a:solidFill>
+                  <a:srgbClr val="000000"/>
+                </a:solidFill>
+                <a:uFill>
+                  <a:solidFill>
+                    <a:srgbClr val="ffffff"/>
+                  </a:solidFill>
+                </a:uFill>
+                <a:latin typeface="Arial"/>
+                <a:ea typeface="DejaVu Sans"/>
+              </a:rPr>
+              <a:t>(New Pull Request for upstream/release/4.0)</a:t>
+            </a:r>
+            <a:endParaRPr b="0" lang="en-CA" sz="1800" spc="-1" strike="noStrike">
+              <a:solidFill>
+                <a:srgbClr val="000000"/>
+              </a:solidFill>
+              <a:uFill>
+                <a:solidFill>
+                  <a:srgbClr val="ffffff"/>
+                </a:solidFill>
+              </a:uFill>
+              <a:latin typeface="Arial"/>
+            </a:endParaRPr>
+          </a:p>
+        </p:txBody>
+      </p:sp>
+      <p:sp>
+        <p:nvSpPr>
+          <p:cNvPr id="76" name="CustomShape 12"/>
+          <p:cNvSpPr/>
+          <p:nvPr/>
+        </p:nvSpPr>
+        <p:spPr>
+          <a:xfrm>
+            <a:off x="3983040" y="4156560"/>
+            <a:ext cx="1186920" cy="424800"/>
+          </a:xfrm>
+          <a:prstGeom prst="rect">
+            <a:avLst/>
+          </a:prstGeom>
+          <a:solidFill>
+            <a:srgbClr val="fefebf"/>
+          </a:solidFill>
+          <a:ln>
+            <a:solidFill>
+              <a:srgbClr val="ffff66"/>
+            </a:solidFill>
+          </a:ln>
+        </p:spPr>
+        <p:style>
+          <a:lnRef idx="0"/>
+          <a:fillRef idx="0"/>
+          <a:effectRef idx="0"/>
+          <a:fontRef idx="minor"/>
+        </p:style>
+        <p:txBody>
+          <a:bodyPr wrap="none" lIns="90000" rIns="90000" tIns="45000" bIns="45000" anchor="ctr"/>
+          <a:p>
+            <a:pPr algn="ctr">
+              <a:lnSpc>
+                <a:spcPct val="100000"/>
+              </a:lnSpc>
+            </a:pPr>
+            <a:r>
+              <a:rPr b="0" lang="en-CA" sz="1800" spc="-1" strike="noStrike">
+                <a:solidFill>
+                  <a:srgbClr val="000000"/>
+                </a:solidFill>
+                <a:uFill>
+                  <a:solidFill>
+                    <a:srgbClr val="ffffff"/>
+                  </a:solidFill>
+                </a:uFill>
+                <a:latin typeface="Arial"/>
+                <a:ea typeface="DejaVu Sans"/>
+              </a:rPr>
+              <a:t>ghRPR</a:t>
+            </a:r>
+            <a:endParaRPr b="0" lang="en-CA" sz="1800" spc="-1" strike="noStrike">
+              <a:solidFill>
+                <a:srgbClr val="000000"/>
+              </a:solidFill>
+              <a:uFill>
+                <a:solidFill>
+                  <a:srgbClr val="ffffff"/>
+                </a:solidFill>
+              </a:uFill>
+              <a:latin typeface="Arial"/>
+            </a:endParaRPr>
+          </a:p>
+        </p:txBody>
+      </p:sp>
+      <p:sp>
+        <p:nvSpPr>
+          <p:cNvPr id="77" name="CustomShape 13"/>
+          <p:cNvSpPr/>
+          <p:nvPr/>
+        </p:nvSpPr>
+        <p:spPr>
+          <a:xfrm>
+            <a:off x="3692160" y="4600440"/>
+            <a:ext cx="1735560" cy="260640"/>
+          </a:xfrm>
+          <a:prstGeom prst="rect">
+            <a:avLst/>
+          </a:prstGeom>
+          <a:noFill/>
+          <a:ln>
+            <a:noFill/>
+          </a:ln>
+        </p:spPr>
+        <p:style>
+          <a:lnRef idx="0"/>
+          <a:fillRef idx="0"/>
+          <a:effectRef idx="0"/>
+          <a:fontRef idx="minor"/>
+        </p:style>
+        <p:txBody>
+          <a:bodyPr lIns="90000" rIns="90000" tIns="45000" bIns="45000"/>
+          <a:p>
+            <a:pPr algn="ctr">
+              <a:lnSpc>
+                <a:spcPct val="100000"/>
+              </a:lnSpc>
+            </a:pPr>
+            <a:r>
+              <a:rPr b="0" lang="en-CA" sz="1200" spc="-1" strike="noStrike">
+                <a:solidFill>
+                  <a:srgbClr val="000000"/>
+                </a:solidFill>
+                <a:uFill>
+                  <a:solidFill>
+                    <a:srgbClr val="ffffff"/>
+                  </a:solidFill>
+                </a:uFill>
+                <a:latin typeface="Arial"/>
+                <a:ea typeface="DejaVu Sans"/>
+              </a:rPr>
+              <a:t>(Review Pull Request</a:t>
+            </a:r>
+            <a:endParaRPr b="0" lang="en-CA" sz="1800" spc="-1" strike="noStrike">
+              <a:solidFill>
+                <a:srgbClr val="000000"/>
+              </a:solidFill>
+              <a:uFill>
+                <a:solidFill>
+                  <a:srgbClr val="ffffff"/>
+                </a:solidFill>
+              </a:uFill>
+              <a:latin typeface="Arial"/>
+            </a:endParaRPr>
+          </a:p>
+          <a:p>
+            <a:pPr algn="ctr">
+              <a:lnSpc>
+                <a:spcPct val="100000"/>
+              </a:lnSpc>
+            </a:pPr>
+            <a:r>
+              <a:rPr b="0" lang="en-CA" sz="1200" spc="-1" strike="noStrike">
+                <a:solidFill>
+                  <a:srgbClr val="000000"/>
+                </a:solidFill>
+                <a:uFill>
+                  <a:solidFill>
+                    <a:srgbClr val="ffffff"/>
+                  </a:solidFill>
+                </a:uFill>
+                <a:latin typeface="Arial"/>
+                <a:ea typeface="DejaVu Sans"/>
+              </a:rPr>
+              <a:t>for current branch)</a:t>
+            </a:r>
+            <a:endParaRPr b="0" lang="en-CA" sz="1800" spc="-1" strike="noStrike">
+              <a:solidFill>
+                <a:srgbClr val="000000"/>
+              </a:solidFill>
+              <a:uFill>
+                <a:solidFill>
+                  <a:srgbClr val="ffffff"/>
+                </a:solidFill>
+              </a:uFill>
+              <a:latin typeface="Arial"/>
+            </a:endParaRPr>
+          </a:p>
+        </p:txBody>
+      </p:sp>
+      <p:sp>
+        <p:nvSpPr>
+          <p:cNvPr id="78" name="CustomShape 14"/>
+          <p:cNvSpPr/>
+          <p:nvPr/>
+        </p:nvSpPr>
+        <p:spPr>
+          <a:xfrm>
+            <a:off x="1824840" y="457200"/>
+            <a:ext cx="912600" cy="912600"/>
+          </a:xfrm>
+          <a:prstGeom prst="ellipse">
+            <a:avLst/>
+          </a:prstGeom>
+          <a:solidFill>
+            <a:srgbClr val="66ccff"/>
+          </a:solidFill>
+          <a:ln>
+            <a:solidFill>
+              <a:srgbClr val="3465a4"/>
+            </a:solidFill>
+          </a:ln>
+        </p:spPr>
+        <p:style>
+          <a:lnRef idx="0"/>
+          <a:fillRef idx="0"/>
+          <a:effectRef idx="0"/>
+          <a:fontRef idx="minor"/>
+        </p:style>
+        <p:txBody>
+          <a:bodyPr wrap="none" lIns="90000" rIns="90000" tIns="45000" bIns="45000" anchor="ctr"/>
+          <a:p>
+            <a:pPr algn="ctr">
+              <a:lnSpc>
+                <a:spcPct val="100000"/>
+              </a:lnSpc>
+            </a:pPr>
+            <a:r>
+              <a:rPr b="0" lang="en-CA" sz="1200" spc="-1" strike="noStrike">
+                <a:solidFill>
+                  <a:srgbClr val="000000"/>
+                </a:solidFill>
+                <a:uFill>
+                  <a:solidFill>
+                    <a:srgbClr val="ffffff"/>
+                  </a:solidFill>
+                </a:uFill>
+                <a:latin typeface="Arial"/>
+                <a:ea typeface="DejaVu Sans"/>
+              </a:rPr>
+              <a:t>JIRA</a:t>
+            </a:r>
+            <a:endParaRPr b="0" lang="en-CA" sz="1800" spc="-1" strike="noStrike">
+              <a:solidFill>
+                <a:srgbClr val="000000"/>
+              </a:solidFill>
+              <a:uFill>
+                <a:solidFill>
+                  <a:srgbClr val="ffffff"/>
+                </a:solidFill>
+              </a:uFill>
+              <a:latin typeface="Arial"/>
+            </a:endParaRPr>
+          </a:p>
+          <a:p>
+            <a:pPr algn="ctr">
+              <a:lnSpc>
+                <a:spcPct val="100000"/>
+              </a:lnSpc>
+            </a:pPr>
+            <a:r>
+              <a:rPr b="0" lang="en-CA" sz="1200" spc="-1" strike="noStrike">
+                <a:solidFill>
+                  <a:srgbClr val="000000"/>
+                </a:solidFill>
+                <a:uFill>
+                  <a:solidFill>
+                    <a:srgbClr val="ffffff"/>
+                  </a:solidFill>
+                </a:uFill>
+                <a:latin typeface="Arial"/>
+                <a:ea typeface="DejaVu Sans"/>
+              </a:rPr>
+              <a:t>Ticket</a:t>
+            </a:r>
+            <a:endParaRPr b="0" lang="en-CA" sz="1800" spc="-1" strike="noStrike">
+              <a:solidFill>
+                <a:srgbClr val="000000"/>
+              </a:solidFill>
+              <a:uFill>
+                <a:solidFill>
+                  <a:srgbClr val="ffffff"/>
+                </a:solidFill>
+              </a:uFill>
+              <a:latin typeface="Arial"/>
+            </a:endParaRPr>
+          </a:p>
+          <a:p>
+            <a:pPr algn="ctr">
+              <a:lnSpc>
+                <a:spcPct val="100000"/>
+              </a:lnSpc>
+            </a:pPr>
+            <a:r>
+              <a:rPr b="0" lang="en-CA" sz="1200" spc="-1" strike="noStrike">
+                <a:solidFill>
+                  <a:srgbClr val="000000"/>
+                </a:solidFill>
+                <a:uFill>
+                  <a:solidFill>
+                    <a:srgbClr val="ffffff"/>
+                  </a:solidFill>
+                </a:uFill>
+                <a:latin typeface="Arial"/>
+                <a:ea typeface="DejaVu Sans"/>
+              </a:rPr>
+              <a:t>Assigned</a:t>
+            </a:r>
+            <a:endParaRPr b="0" lang="en-CA" sz="1800" spc="-1" strike="noStrike">
+              <a:solidFill>
+                <a:srgbClr val="000000"/>
+              </a:solidFill>
+              <a:uFill>
+                <a:solidFill>
+                  <a:srgbClr val="ffffff"/>
+                </a:solidFill>
+              </a:uFill>
+              <a:latin typeface="Arial"/>
+            </a:endParaRPr>
+          </a:p>
+        </p:txBody>
+      </p:sp>
+      <p:sp>
+        <p:nvSpPr>
+          <p:cNvPr id="79" name="CustomShape 15"/>
+          <p:cNvSpPr/>
+          <p:nvPr/>
+        </p:nvSpPr>
+        <p:spPr>
+          <a:xfrm>
+            <a:off x="1806480" y="5937840"/>
+            <a:ext cx="912600" cy="912600"/>
+          </a:xfrm>
+          <a:prstGeom prst="ellipse">
+            <a:avLst/>
+          </a:prstGeom>
+          <a:solidFill>
+            <a:srgbClr val="66ccff"/>
+          </a:solidFill>
+          <a:ln>
+            <a:solidFill>
+              <a:srgbClr val="3465a4"/>
+            </a:solidFill>
+          </a:ln>
+        </p:spPr>
+        <p:style>
+          <a:lnRef idx="0"/>
+          <a:fillRef idx="0"/>
+          <a:effectRef idx="0"/>
+          <a:fontRef idx="minor"/>
+        </p:style>
+        <p:txBody>
+          <a:bodyPr wrap="none" lIns="90000" rIns="90000" tIns="45000" bIns="45000" anchor="ctr"/>
+          <a:p>
+            <a:pPr algn="ctr">
+              <a:lnSpc>
+                <a:spcPct val="100000"/>
+              </a:lnSpc>
+            </a:pPr>
+            <a:r>
+              <a:rPr b="0" lang="en-CA" sz="1200" spc="-1" strike="noStrike">
+                <a:solidFill>
+                  <a:srgbClr val="000000"/>
+                </a:solidFill>
+                <a:uFill>
+                  <a:solidFill>
+                    <a:srgbClr val="ffffff"/>
+                  </a:solidFill>
+                </a:uFill>
+                <a:latin typeface="Arial"/>
+                <a:ea typeface="DejaVu Sans"/>
+              </a:rPr>
+              <a:t>JIRA</a:t>
+            </a:r>
+            <a:endParaRPr b="0" lang="en-CA" sz="1800" spc="-1" strike="noStrike">
+              <a:solidFill>
+                <a:srgbClr val="000000"/>
+              </a:solidFill>
+              <a:uFill>
+                <a:solidFill>
+                  <a:srgbClr val="ffffff"/>
+                </a:solidFill>
+              </a:uFill>
+              <a:latin typeface="Arial"/>
+            </a:endParaRPr>
+          </a:p>
+          <a:p>
+            <a:pPr algn="ctr">
+              <a:lnSpc>
+                <a:spcPct val="100000"/>
+              </a:lnSpc>
+            </a:pPr>
+            <a:r>
+              <a:rPr b="0" lang="en-CA" sz="1200" spc="-1" strike="noStrike">
+                <a:solidFill>
+                  <a:srgbClr val="000000"/>
+                </a:solidFill>
+                <a:uFill>
+                  <a:solidFill>
+                    <a:srgbClr val="ffffff"/>
+                  </a:solidFill>
+                </a:uFill>
+                <a:latin typeface="Arial"/>
+                <a:ea typeface="DejaVu Sans"/>
+              </a:rPr>
+              <a:t>Ticket</a:t>
+            </a:r>
+            <a:endParaRPr b="0" lang="en-CA" sz="1800" spc="-1" strike="noStrike">
+              <a:solidFill>
+                <a:srgbClr val="000000"/>
+              </a:solidFill>
+              <a:uFill>
+                <a:solidFill>
+                  <a:srgbClr val="ffffff"/>
+                </a:solidFill>
+              </a:uFill>
+              <a:latin typeface="Arial"/>
+            </a:endParaRPr>
+          </a:p>
+          <a:p>
+            <a:pPr algn="ctr">
+              <a:lnSpc>
+                <a:spcPct val="100000"/>
+              </a:lnSpc>
+            </a:pPr>
+            <a:r>
+              <a:rPr b="0" lang="en-CA" sz="1200" spc="-1" strike="noStrike">
+                <a:solidFill>
+                  <a:srgbClr val="000000"/>
+                </a:solidFill>
+                <a:uFill>
+                  <a:solidFill>
+                    <a:srgbClr val="ffffff"/>
+                  </a:solidFill>
+                </a:uFill>
+                <a:latin typeface="Arial"/>
+                <a:ea typeface="DejaVu Sans"/>
+              </a:rPr>
+              <a:t>Complete</a:t>
+            </a:r>
+            <a:endParaRPr b="0" lang="en-CA" sz="1800" spc="-1" strike="noStrike">
+              <a:solidFill>
+                <a:srgbClr val="000000"/>
+              </a:solidFill>
+              <a:uFill>
+                <a:solidFill>
+                  <a:srgbClr val="ffffff"/>
+                </a:solidFill>
+              </a:uFill>
+              <a:latin typeface="Arial"/>
+            </a:endParaRPr>
+          </a:p>
+        </p:txBody>
+      </p:sp>
+      <p:sp>
+        <p:nvSpPr>
+          <p:cNvPr id="80" name="Line 16"/>
+          <p:cNvSpPr/>
+          <p:nvPr/>
+        </p:nvSpPr>
+        <p:spPr>
+          <a:xfrm>
+            <a:off x="0" y="0"/>
+            <a:ext cx="360" cy="360"/>
+          </a:xfrm>
+          <a:prstGeom prst="line">
+            <a:avLst/>
+          </a:prstGeom>
+          <a:ln>
+            <a:solidFill>
+              <a:srgbClr val="000000"/>
+            </a:solidFill>
+            <a:tailEnd len="med" type="triangle" w="med"/>
+          </a:ln>
+        </p:spPr>
+        <p:style>
+          <a:lnRef idx="0"/>
+          <a:fillRef idx="0"/>
+          <a:effectRef idx="0"/>
+          <a:fontRef idx="minor"/>
+        </p:style>
+      </p:sp>
+      <p:sp>
+        <p:nvSpPr>
+          <p:cNvPr id="81" name="Line 17"/>
+          <p:cNvSpPr/>
+          <p:nvPr/>
+        </p:nvSpPr>
+        <p:spPr>
+          <a:xfrm>
+            <a:off x="0" y="0"/>
+            <a:ext cx="360" cy="360"/>
+          </a:xfrm>
+          <a:prstGeom prst="line">
+            <a:avLst/>
+          </a:prstGeom>
+          <a:ln>
+            <a:solidFill>
+              <a:srgbClr val="000000"/>
+            </a:solidFill>
+            <a:tailEnd len="med" type="triangle" w="med"/>
+          </a:ln>
+        </p:spPr>
+        <p:style>
+          <a:lnRef idx="0"/>
+          <a:fillRef idx="0"/>
+          <a:effectRef idx="0"/>
+          <a:fontRef idx="minor"/>
+        </p:style>
+      </p:sp>
+      <p:sp>
+        <p:nvSpPr>
+          <p:cNvPr id="82" name="CustomShape 18"/>
+          <p:cNvSpPr/>
+          <p:nvPr/>
+        </p:nvSpPr>
+        <p:spPr>
+          <a:xfrm>
+            <a:off x="2282040" y="1371600"/>
+            <a:ext cx="360" cy="760680"/>
+          </a:xfrm>
+          <a:custGeom>
+            <a:avLst/>
+            <a:gdLst/>
+            <a:ahLst/>
+            <a:rect l="l" t="t" r="r" b="b"/>
+            <a:pathLst>
+              <a:path w="21600" h="21600">
+                <a:moveTo>
+                  <a:pt x="0" y="0"/>
+                </a:moveTo>
+                <a:lnTo>
+                  <a:pt x="21600" y="21600"/>
+                </a:lnTo>
+              </a:path>
+            </a:pathLst>
+          </a:custGeom>
+          <a:noFill/>
+          <a:ln>
+            <a:solidFill>
+              <a:srgbClr val="000000"/>
+            </a:solidFill>
+            <a:tailEnd len="med" type="triangle" w="med"/>
+          </a:ln>
+        </p:spPr>
+        <p:style>
+          <a:lnRef idx="0"/>
+          <a:fillRef idx="0"/>
+          <a:effectRef idx="0"/>
+          <a:fontRef idx="minor"/>
+        </p:style>
+      </p:sp>
+      <p:sp>
+        <p:nvSpPr>
+          <p:cNvPr id="83" name="CustomShape 19"/>
+          <p:cNvSpPr/>
+          <p:nvPr/>
+        </p:nvSpPr>
+        <p:spPr>
+          <a:xfrm>
+            <a:off x="2870640" y="4356000"/>
+            <a:ext cx="1111320" cy="360"/>
+          </a:xfrm>
+          <a:custGeom>
+            <a:avLst/>
+            <a:gdLst/>
+            <a:ahLst/>
+            <a:rect l="l" t="t" r="r" b="b"/>
+            <a:pathLst>
+              <a:path w="21600" h="21600">
+                <a:moveTo>
+                  <a:pt x="0" y="0"/>
+                </a:moveTo>
+                <a:lnTo>
+                  <a:pt x="21600" y="21600"/>
+                </a:lnTo>
+              </a:path>
+            </a:pathLst>
+          </a:custGeom>
+          <a:noFill/>
+          <a:ln>
+            <a:solidFill>
+              <a:srgbClr val="000000"/>
+            </a:solidFill>
+            <a:tailEnd len="med" type="triangle" w="med"/>
+          </a:ln>
+        </p:spPr>
+        <p:style>
+          <a:lnRef idx="0"/>
+          <a:fillRef idx="0"/>
+          <a:effectRef idx="0"/>
+          <a:fontRef idx="minor"/>
+        </p:style>
+      </p:sp>
+      <p:sp>
+        <p:nvSpPr>
+          <p:cNvPr id="84" name="CustomShape 20"/>
+          <p:cNvSpPr/>
+          <p:nvPr/>
+        </p:nvSpPr>
+        <p:spPr>
+          <a:xfrm>
+            <a:off x="2720880" y="6395040"/>
+            <a:ext cx="1813320" cy="6840"/>
+          </a:xfrm>
+          <a:custGeom>
+            <a:avLst/>
+            <a:gdLst/>
+            <a:ahLst/>
+            <a:rect l="l" t="t" r="r" b="b"/>
+            <a:pathLst>
+              <a:path w="21600" h="21600">
+                <a:moveTo>
+                  <a:pt x="0" y="0"/>
+                </a:moveTo>
+                <a:lnTo>
+                  <a:pt x="21600" y="21600"/>
+                </a:lnTo>
+              </a:path>
+            </a:pathLst>
+          </a:custGeom>
+          <a:noFill/>
+          <a:ln>
+            <a:solidFill>
+              <a:srgbClr val="000000"/>
+            </a:solidFill>
+            <a:tailEnd len="med" type="triangle" w="med"/>
+          </a:ln>
+        </p:spPr>
+        <p:style>
+          <a:lnRef idx="0"/>
+          <a:fillRef idx="0"/>
+          <a:effectRef idx="0"/>
+          <a:fontRef idx="minor"/>
+        </p:style>
+      </p:sp>
+      <p:sp>
+        <p:nvSpPr>
+          <p:cNvPr id="85" name="CustomShape 21"/>
+          <p:cNvSpPr/>
+          <p:nvPr/>
+        </p:nvSpPr>
+        <p:spPr>
+          <a:xfrm>
+            <a:off x="6309360" y="313560"/>
+            <a:ext cx="2834280" cy="401040"/>
+          </a:xfrm>
+          <a:prstGeom prst="rect">
+            <a:avLst/>
+          </a:prstGeom>
+          <a:solidFill>
+            <a:srgbClr val="666666"/>
+          </a:solidFill>
+          <a:ln>
+            <a:noFill/>
+          </a:ln>
+        </p:spPr>
+        <p:style>
+          <a:lnRef idx="0"/>
+          <a:fillRef idx="0"/>
+          <a:effectRef idx="0"/>
+          <a:fontRef idx="minor"/>
+        </p:style>
+        <p:txBody>
+          <a:bodyPr lIns="90000" rIns="90000" tIns="45000" bIns="45000" anchor="ctr"/>
+          <a:p>
+            <a:pPr algn="ctr">
+              <a:lnSpc>
+                <a:spcPct val="100000"/>
+              </a:lnSpc>
+            </a:pPr>
+            <a:r>
+              <a:rPr b="1" lang="en-CA" sz="1800" spc="-1" strike="noStrike">
+                <a:solidFill>
+                  <a:srgbClr val="ffffff"/>
+                </a:solidFill>
+                <a:uFill>
+                  <a:solidFill>
+                    <a:srgbClr val="ffffff"/>
+                  </a:solidFill>
+                </a:uFill>
+                <a:latin typeface="Arial"/>
+                <a:ea typeface="DejaVu Sans"/>
+              </a:rPr>
+              <a:t>Developer Workflow</a:t>
+            </a:r>
+            <a:endParaRPr b="0" lang="en-CA" sz="1800" spc="-1" strike="noStrike">
+              <a:solidFill>
+                <a:srgbClr val="000000"/>
+              </a:solidFill>
+              <a:uFill>
+                <a:solidFill>
+                  <a:srgbClr val="ffffff"/>
+                </a:solidFill>
+              </a:uFill>
+              <a:latin typeface="Arial"/>
+            </a:endParaRPr>
+          </a:p>
+        </p:txBody>
+      </p:sp>
+      <p:sp>
+        <p:nvSpPr>
+          <p:cNvPr id="86" name="CustomShape 22"/>
+          <p:cNvSpPr/>
+          <p:nvPr/>
+        </p:nvSpPr>
+        <p:spPr>
+          <a:xfrm>
+            <a:off x="8138160" y="3912480"/>
+            <a:ext cx="912600" cy="912600"/>
+          </a:xfrm>
+          <a:prstGeom prst="ellipse">
+            <a:avLst/>
+          </a:prstGeom>
+          <a:solidFill>
+            <a:srgbClr val="66ccff"/>
+          </a:solidFill>
+          <a:ln>
+            <a:solidFill>
+              <a:srgbClr val="3465a4"/>
+            </a:solidFill>
+          </a:ln>
+        </p:spPr>
+        <p:style>
+          <a:lnRef idx="0"/>
+          <a:fillRef idx="0"/>
+          <a:effectRef idx="0"/>
+          <a:fontRef idx="minor"/>
+        </p:style>
+        <p:txBody>
+          <a:bodyPr wrap="none" lIns="90000" rIns="90000" tIns="45000" bIns="45000" anchor="ctr"/>
+          <a:p>
+            <a:pPr algn="ctr">
+              <a:lnSpc>
+                <a:spcPct val="100000"/>
+              </a:lnSpc>
+            </a:pPr>
+            <a:r>
+              <a:rPr b="0" lang="en-CA" sz="1200" spc="-1" strike="noStrike">
+                <a:solidFill>
+                  <a:srgbClr val="000000"/>
+                </a:solidFill>
+                <a:uFill>
+                  <a:solidFill>
+                    <a:srgbClr val="ffffff"/>
+                  </a:solidFill>
+                </a:uFill>
+                <a:latin typeface="Arial"/>
+                <a:ea typeface="DejaVu Sans"/>
+              </a:rPr>
+              <a:t>Branch</a:t>
+            </a:r>
+            <a:endParaRPr b="0" lang="en-CA" sz="1800" spc="-1" strike="noStrike">
+              <a:solidFill>
+                <a:srgbClr val="000000"/>
+              </a:solidFill>
+              <a:uFill>
+                <a:solidFill>
+                  <a:srgbClr val="ffffff"/>
+                </a:solidFill>
+              </a:uFill>
+              <a:latin typeface="Arial"/>
+            </a:endParaRPr>
+          </a:p>
+          <a:p>
+            <a:pPr algn="ctr">
+              <a:lnSpc>
+                <a:spcPct val="100000"/>
+              </a:lnSpc>
+            </a:pPr>
+            <a:r>
+              <a:rPr b="0" lang="en-CA" sz="1200" spc="-1" strike="noStrike">
+                <a:solidFill>
+                  <a:srgbClr val="000000"/>
+                </a:solidFill>
+                <a:uFill>
+                  <a:solidFill>
+                    <a:srgbClr val="ffffff"/>
+                  </a:solidFill>
+                </a:uFill>
+                <a:latin typeface="Arial"/>
+                <a:ea typeface="DejaVu Sans"/>
+              </a:rPr>
+              <a:t>Merged</a:t>
+            </a:r>
+            <a:endParaRPr b="0" lang="en-CA" sz="1800" spc="-1" strike="noStrike">
+              <a:solidFill>
+                <a:srgbClr val="000000"/>
+              </a:solidFill>
+              <a:uFill>
+                <a:solidFill>
+                  <a:srgbClr val="ffffff"/>
+                </a:solidFill>
+              </a:uFill>
+              <a:latin typeface="Arial"/>
+            </a:endParaRPr>
+          </a:p>
+        </p:txBody>
+      </p:sp>
+      <p:sp>
+        <p:nvSpPr>
+          <p:cNvPr id="87" name="CustomShape 23"/>
+          <p:cNvSpPr/>
+          <p:nvPr/>
+        </p:nvSpPr>
+        <p:spPr>
+          <a:xfrm>
+            <a:off x="6302520" y="3912480"/>
+            <a:ext cx="912600" cy="912600"/>
+          </a:xfrm>
+          <a:prstGeom prst="ellipse">
+            <a:avLst/>
+          </a:prstGeom>
+          <a:solidFill>
+            <a:srgbClr val="66ccff"/>
+          </a:solidFill>
+          <a:ln>
+            <a:solidFill>
+              <a:srgbClr val="3465a4"/>
+            </a:solidFill>
+          </a:ln>
+        </p:spPr>
+        <p:style>
+          <a:lnRef idx="0"/>
+          <a:fillRef idx="0"/>
+          <a:effectRef idx="0"/>
+          <a:fontRef idx="minor"/>
+        </p:style>
+        <p:txBody>
+          <a:bodyPr wrap="none" lIns="90000" rIns="90000" tIns="45000" bIns="45000" anchor="ctr"/>
+          <a:p>
+            <a:pPr algn="ctr">
+              <a:lnSpc>
+                <a:spcPct val="100000"/>
+              </a:lnSpc>
+            </a:pPr>
+            <a:r>
+              <a:rPr b="0" lang="en-CA" sz="1200" spc="-1" strike="noStrike">
+                <a:solidFill>
+                  <a:srgbClr val="000000"/>
+                </a:solidFill>
+                <a:uFill>
+                  <a:solidFill>
+                    <a:srgbClr val="ffffff"/>
+                  </a:solidFill>
+                </a:uFill>
+                <a:latin typeface="Arial"/>
+                <a:ea typeface="DejaVu Sans"/>
+              </a:rPr>
+              <a:t>Respond</a:t>
+            </a:r>
+            <a:endParaRPr b="0" lang="en-CA" sz="1800" spc="-1" strike="noStrike">
+              <a:solidFill>
+                <a:srgbClr val="000000"/>
+              </a:solidFill>
+              <a:uFill>
+                <a:solidFill>
+                  <a:srgbClr val="ffffff"/>
+                </a:solidFill>
+              </a:uFill>
+              <a:latin typeface="Arial"/>
+            </a:endParaRPr>
+          </a:p>
+          <a:p>
+            <a:pPr algn="ctr">
+              <a:lnSpc>
+                <a:spcPct val="100000"/>
+              </a:lnSpc>
+            </a:pPr>
+            <a:r>
+              <a:rPr b="0" lang="en-CA" sz="1200" spc="-1" strike="noStrike">
+                <a:solidFill>
+                  <a:srgbClr val="000000"/>
+                </a:solidFill>
+                <a:uFill>
+                  <a:solidFill>
+                    <a:srgbClr val="ffffff"/>
+                  </a:solidFill>
+                </a:uFill>
+                <a:latin typeface="Arial"/>
+                <a:ea typeface="DejaVu Sans"/>
+              </a:rPr>
+              <a:t>To All</a:t>
+            </a:r>
+            <a:endParaRPr b="0" lang="en-CA" sz="1800" spc="-1" strike="noStrike">
+              <a:solidFill>
+                <a:srgbClr val="000000"/>
+              </a:solidFill>
+              <a:uFill>
+                <a:solidFill>
+                  <a:srgbClr val="ffffff"/>
+                </a:solidFill>
+              </a:uFill>
+              <a:latin typeface="Arial"/>
+            </a:endParaRPr>
+          </a:p>
+          <a:p>
+            <a:pPr algn="ctr">
+              <a:lnSpc>
+                <a:spcPct val="100000"/>
+              </a:lnSpc>
+            </a:pPr>
+            <a:r>
+              <a:rPr b="0" lang="en-CA" sz="1200" spc="-1" strike="noStrike">
+                <a:solidFill>
+                  <a:srgbClr val="000000"/>
+                </a:solidFill>
+                <a:uFill>
+                  <a:solidFill>
+                    <a:srgbClr val="ffffff"/>
+                  </a:solidFill>
+                </a:uFill>
+                <a:latin typeface="Arial"/>
+                <a:ea typeface="DejaVu Sans"/>
+              </a:rPr>
+              <a:t>Comments</a:t>
+            </a:r>
+            <a:endParaRPr b="0" lang="en-CA" sz="1800" spc="-1" strike="noStrike">
+              <a:solidFill>
+                <a:srgbClr val="000000"/>
+              </a:solidFill>
+              <a:uFill>
+                <a:solidFill>
+                  <a:srgbClr val="ffffff"/>
+                </a:solidFill>
+              </a:uFill>
+              <a:latin typeface="Arial"/>
+            </a:endParaRPr>
+          </a:p>
+        </p:txBody>
+      </p:sp>
+      <p:sp>
+        <p:nvSpPr>
+          <p:cNvPr id="88" name="CustomShape 24"/>
+          <p:cNvSpPr/>
+          <p:nvPr/>
+        </p:nvSpPr>
+        <p:spPr>
+          <a:xfrm>
+            <a:off x="5171040" y="4369320"/>
+            <a:ext cx="1130760" cy="360"/>
+          </a:xfrm>
+          <a:custGeom>
+            <a:avLst/>
+            <a:gdLst/>
+            <a:ahLst/>
+            <a:rect l="l" t="t" r="r" b="b"/>
+            <a:pathLst>
+              <a:path w="21600" h="21600">
+                <a:moveTo>
+                  <a:pt x="0" y="0"/>
+                </a:moveTo>
+                <a:lnTo>
+                  <a:pt x="21600" y="21600"/>
+                </a:lnTo>
+              </a:path>
+            </a:pathLst>
+          </a:custGeom>
+          <a:noFill/>
+          <a:ln>
+            <a:solidFill>
+              <a:srgbClr val="000000"/>
+            </a:solidFill>
+            <a:tailEnd len="med" type="triangle" w="med"/>
+          </a:ln>
+        </p:spPr>
+        <p:style>
+          <a:lnRef idx="0"/>
+          <a:fillRef idx="0"/>
+          <a:effectRef idx="0"/>
+          <a:fontRef idx="minor"/>
+        </p:style>
+      </p:sp>
+      <p:sp>
+        <p:nvSpPr>
+          <p:cNvPr id="89" name="CustomShape 25"/>
+          <p:cNvSpPr/>
+          <p:nvPr/>
+        </p:nvSpPr>
+        <p:spPr>
+          <a:xfrm>
+            <a:off x="7216200" y="4369320"/>
+            <a:ext cx="921240" cy="360"/>
+          </a:xfrm>
+          <a:custGeom>
+            <a:avLst/>
+            <a:gdLst/>
+            <a:ahLst/>
+            <a:rect l="l" t="t" r="r" b="b"/>
+            <a:pathLst>
+              <a:path w="21600" h="21600">
+                <a:moveTo>
+                  <a:pt x="0" y="0"/>
+                </a:moveTo>
+                <a:lnTo>
+                  <a:pt x="21600" y="21600"/>
+                </a:lnTo>
+              </a:path>
+            </a:pathLst>
+          </a:custGeom>
+          <a:noFill/>
+          <a:ln>
+            <a:solidFill>
+              <a:srgbClr val="000000"/>
+            </a:solidFill>
+            <a:tailEnd len="med" type="triangle" w="med"/>
+          </a:ln>
+        </p:spPr>
+        <p:style>
+          <a:lnRef idx="0"/>
+          <a:fillRef idx="0"/>
+          <a:effectRef idx="0"/>
+          <a:fontRef idx="minor"/>
+        </p:style>
+      </p:sp>
+      <p:sp>
+        <p:nvSpPr>
+          <p:cNvPr id="90" name="CustomShape 26"/>
+          <p:cNvSpPr/>
+          <p:nvPr/>
+        </p:nvSpPr>
+        <p:spPr>
+          <a:xfrm>
+            <a:off x="8138520" y="1932840"/>
+            <a:ext cx="912600" cy="912600"/>
+          </a:xfrm>
+          <a:prstGeom prst="ellipse">
+            <a:avLst/>
+          </a:prstGeom>
+          <a:solidFill>
+            <a:srgbClr val="66ccff"/>
+          </a:solidFill>
+          <a:ln>
+            <a:solidFill>
+              <a:srgbClr val="3465a4"/>
+            </a:solidFill>
+          </a:ln>
+        </p:spPr>
+        <p:style>
+          <a:lnRef idx="0"/>
+          <a:fillRef idx="0"/>
+          <a:effectRef idx="0"/>
+          <a:fontRef idx="minor"/>
+        </p:style>
+        <p:txBody>
+          <a:bodyPr wrap="none" lIns="90000" rIns="90000" tIns="45000" bIns="45000" anchor="ctr"/>
+          <a:p>
+            <a:pPr algn="ctr">
+              <a:lnSpc>
+                <a:spcPct val="100000"/>
+              </a:lnSpc>
+            </a:pPr>
+            <a:r>
+              <a:rPr b="0" lang="en-CA" sz="1100" spc="-1" strike="noStrike">
+                <a:solidFill>
+                  <a:srgbClr val="000000"/>
+                </a:solidFill>
+                <a:uFill>
+                  <a:solidFill>
+                    <a:srgbClr val="ffffff"/>
+                  </a:solidFill>
+                </a:uFill>
+                <a:latin typeface="Arial"/>
+                <a:ea typeface="DejaVu Sans"/>
+              </a:rPr>
+              <a:t>Development</a:t>
+            </a:r>
+            <a:endParaRPr b="0" lang="en-CA" sz="1800" spc="-1" strike="noStrike">
+              <a:solidFill>
+                <a:srgbClr val="000000"/>
+              </a:solidFill>
+              <a:uFill>
+                <a:solidFill>
+                  <a:srgbClr val="ffffff"/>
+                </a:solidFill>
+              </a:uFill>
+              <a:latin typeface="Arial"/>
+            </a:endParaRPr>
+          </a:p>
+          <a:p>
+            <a:pPr algn="ctr">
+              <a:lnSpc>
+                <a:spcPct val="100000"/>
+              </a:lnSpc>
+            </a:pPr>
+            <a:r>
+              <a:rPr b="0" lang="en-CA" sz="1200" spc="-1" strike="noStrike">
+                <a:solidFill>
+                  <a:srgbClr val="000000"/>
+                </a:solidFill>
+                <a:uFill>
+                  <a:solidFill>
+                    <a:srgbClr val="ffffff"/>
+                  </a:solidFill>
+                </a:uFill>
+                <a:latin typeface="Arial"/>
+                <a:ea typeface="DejaVu Sans"/>
+              </a:rPr>
+              <a:t>Complete</a:t>
+            </a:r>
+            <a:endParaRPr b="0" lang="en-CA" sz="1800" spc="-1" strike="noStrike">
+              <a:solidFill>
+                <a:srgbClr val="000000"/>
+              </a:solidFill>
+              <a:uFill>
+                <a:solidFill>
+                  <a:srgbClr val="ffffff"/>
+                </a:solidFill>
+              </a:uFill>
+              <a:latin typeface="Arial"/>
+            </a:endParaRPr>
+          </a:p>
+        </p:txBody>
+      </p:sp>
+      <p:sp>
+        <p:nvSpPr>
+          <p:cNvPr id="91" name="CustomShape 27"/>
+          <p:cNvSpPr/>
+          <p:nvPr/>
+        </p:nvSpPr>
+        <p:spPr>
+          <a:xfrm>
+            <a:off x="6192720" y="734400"/>
+            <a:ext cx="3047040" cy="288360"/>
+          </a:xfrm>
+          <a:prstGeom prst="rect">
+            <a:avLst/>
+          </a:prstGeom>
+          <a:noFill/>
+          <a:ln>
+            <a:noFill/>
+          </a:ln>
+        </p:spPr>
+        <p:style>
+          <a:lnRef idx="0"/>
+          <a:fillRef idx="0"/>
+          <a:effectRef idx="0"/>
+          <a:fontRef idx="minor"/>
+        </p:style>
+        <p:txBody>
+          <a:bodyPr lIns="90000" rIns="90000" tIns="45000" bIns="45000"/>
+          <a:p>
+            <a:r>
+              <a:rPr b="0" lang="en-CA" sz="1400" spc="-1" strike="noStrike">
+                <a:solidFill>
+                  <a:srgbClr val="0000cc"/>
+                </a:solidFill>
+                <a:uFill>
+                  <a:solidFill>
+                    <a:srgbClr val="ffffff"/>
+                  </a:solidFill>
+                </a:uFill>
+                <a:latin typeface="Arial"/>
+              </a:rPr>
+              <a:t>Working with upstream/release/4.0</a:t>
+            </a:r>
+            <a:endParaRPr b="0" lang="en-CA" sz="1800" spc="-1" strike="noStrike">
+              <a:solidFill>
+                <a:srgbClr val="000000"/>
+              </a:solidFill>
+              <a:uFill>
+                <a:solidFill>
+                  <a:srgbClr val="ffffff"/>
+                </a:solidFill>
+              </a:uFill>
+              <a:latin typeface="Arial"/>
+            </a:endParaRPr>
+          </a:p>
+        </p:txBody>
+      </p:sp>
+      <p:cxnSp>
+        <p:nvCxnSpPr>
+          <p:cNvPr id="92" name="Line 28"/>
+          <p:cNvCxnSpPr>
+            <a:stCxn id="68" idx="3"/>
+            <a:endCxn id="69" idx="1"/>
+          </p:cNvCxnSpPr>
+          <p:nvPr/>
+        </p:nvCxnSpPr>
+        <p:spPr>
+          <a:xfrm>
+            <a:off x="3816000" y="2389320"/>
+            <a:ext cx="1008360" cy="360"/>
+          </a:xfrm>
+          <a:prstGeom prst="straightConnector1">
+            <a:avLst/>
+          </a:prstGeom>
+          <a:ln>
+            <a:solidFill>
+              <a:srgbClr val="000000"/>
+            </a:solidFill>
+            <a:tailEnd len="med" type="triangle" w="med"/>
+          </a:ln>
+        </p:spPr>
+      </p:cxnSp>
+      <p:cxnSp>
+        <p:nvCxnSpPr>
+          <p:cNvPr id="93" name="Line 29"/>
+          <p:cNvCxnSpPr>
+            <a:stCxn id="69" idx="3"/>
+            <a:endCxn id="90" idx="1"/>
+          </p:cNvCxnSpPr>
+          <p:nvPr/>
+        </p:nvCxnSpPr>
+        <p:spPr>
+          <a:xfrm flipV="1">
+            <a:off x="6435360" y="2388960"/>
+            <a:ext cx="1703520" cy="720"/>
+          </a:xfrm>
+          <a:prstGeom prst="straightConnector1">
+            <a:avLst/>
+          </a:prstGeom>
+          <a:ln>
+            <a:solidFill>
+              <a:srgbClr val="000000"/>
+            </a:solidFill>
+            <a:tailEnd len="med" type="triangle" w="med"/>
+          </a:ln>
+        </p:spPr>
+      </p:cxnSp>
+    </p:spTree>
+  </p:cSld>
+  <p:timing>
+    <p:tnLst>
+      <p:par>
+        <p:cTn id="3" dur="indefinite" restart="never" nodeType="tmRoot">
+          <p:childTnLst>
+            <p:seq>
+              <p:cTn id="4" nodeType="mainSeq"/>
               <p:prevCondLst>
                 <p:cond delay="0" evt="onPrev">
                   <p:tgtEl>
